--- a/Week_10/Statistical_Tests_Discrete_Variables.pptx
+++ b/Week_10/Statistical_Tests_Discrete_Variables.pptx
@@ -5,7 +5,7 @@
     <p:sldMasterId id="2147483708" r:id="rId1"/>
   </p:sldMasterIdLst>
   <p:notesMasterIdLst>
-    <p:notesMasterId r:id="rId22"/>
+    <p:notesMasterId r:id="rId23"/>
   </p:notesMasterIdLst>
   <p:sldIdLst>
     <p:sldId id="256" r:id="rId2"/>
@@ -21,13 +21,14 @@
     <p:sldId id="269" r:id="rId12"/>
     <p:sldId id="271" r:id="rId13"/>
     <p:sldId id="259" r:id="rId14"/>
-    <p:sldId id="273" r:id="rId15"/>
-    <p:sldId id="275" r:id="rId16"/>
-    <p:sldId id="276" r:id="rId17"/>
-    <p:sldId id="283" r:id="rId18"/>
-    <p:sldId id="287" r:id="rId19"/>
-    <p:sldId id="286" r:id="rId20"/>
-    <p:sldId id="285" r:id="rId21"/>
+    <p:sldId id="288" r:id="rId15"/>
+    <p:sldId id="273" r:id="rId16"/>
+    <p:sldId id="275" r:id="rId17"/>
+    <p:sldId id="276" r:id="rId18"/>
+    <p:sldId id="283" r:id="rId19"/>
+    <p:sldId id="287" r:id="rId20"/>
+    <p:sldId id="286" r:id="rId21"/>
+    <p:sldId id="285" r:id="rId22"/>
   </p:sldIdLst>
   <p:sldSz cx="12192000" cy="6858000"/>
   <p:notesSz cx="6858000" cy="9144000"/>
@@ -126,6 +127,11 @@
       </a:defRPr>
     </a:lvl9pPr>
   </p:defaultTextStyle>
+  <p:extLst>
+    <p:ext uri="{EFAFB233-063F-42B5-8137-9DF3F51BA10A}">
+      <p15:sldGuideLst xmlns:p15="http://schemas.microsoft.com/office/powerpoint/2012/main"/>
+    </p:ext>
+  </p:extLst>
 </p:presentation>
 </file>
 
@@ -211,7 +217,7 @@
           <a:p>
             <a:fld id="{4A792DF5-37DB-4185-9ADE-A4C4834FB5C1}" type="datetimeFigureOut">
               <a:rPr lang="en-US" smtClean="0"/>
-              <a:t>11/7/2018</a:t>
+              <a:t>11/8/2018</a:t>
             </a:fld>
             <a:endParaRPr lang="en-US"/>
           </a:p>
@@ -1049,7 +1055,7 @@
             <a:fld id="{1130D20B-D252-47D3-A4A9-35D29523117F}" type="slidenum">
               <a:rPr lang="en-US" altLang="en-US" sz="1200"/>
               <a:pPr eaLnBrk="1" hangingPunct="1"/>
-              <a:t>19</a:t>
+              <a:t>20</a:t>
             </a:fld>
             <a:endParaRPr lang="en-US" altLang="en-US" sz="1200"/>
           </a:p>
@@ -1327,7 +1333,7 @@
             <a:fld id="{75280AA1-03E9-44F3-9D46-88A64ABCF841}" type="slidenum">
               <a:rPr lang="en-US" altLang="en-US" sz="1200"/>
               <a:pPr eaLnBrk="1" hangingPunct="1"/>
-              <a:t>20</a:t>
+              <a:t>21</a:t>
             </a:fld>
             <a:endParaRPr lang="en-US" altLang="en-US" sz="1200"/>
           </a:p>
@@ -2972,7 +2978,7 @@
             <a:fld id="{78CCD78B-6F86-4B39-9A7B-20D134391D10}" type="slidenum">
               <a:rPr lang="en-US" altLang="en-US" sz="1200"/>
               <a:pPr eaLnBrk="1" hangingPunct="1"/>
-              <a:t>14</a:t>
+              <a:t>15</a:t>
             </a:fld>
             <a:endParaRPr lang="en-US" altLang="en-US" sz="1200"/>
           </a:p>
@@ -3266,7 +3272,7 @@
             <a:fld id="{1130D20B-D252-47D3-A4A9-35D29523117F}" type="slidenum">
               <a:rPr lang="en-US" altLang="en-US" sz="1200"/>
               <a:pPr eaLnBrk="1" hangingPunct="1"/>
-              <a:t>17</a:t>
+              <a:t>18</a:t>
             </a:fld>
             <a:endParaRPr lang="en-US" altLang="en-US" sz="1200"/>
           </a:p>
@@ -3560,7 +3566,7 @@
             <a:fld id="{1130D20B-D252-47D3-A4A9-35D29523117F}" type="slidenum">
               <a:rPr lang="en-US" altLang="en-US" sz="1200"/>
               <a:pPr eaLnBrk="1" hangingPunct="1"/>
-              <a:t>18</a:t>
+              <a:t>19</a:t>
             </a:fld>
             <a:endParaRPr lang="en-US" altLang="en-US" sz="1200"/>
           </a:p>
@@ -3803,7 +3809,7 @@
           <a:p>
             <a:fld id="{B7A8B843-3DD1-44C6-95D3-BD37FAAC3607}" type="datetimeFigureOut">
               <a:rPr lang="en-US" smtClean="0"/>
-              <a:t>11/7/2018</a:t>
+              <a:t>11/8/2018</a:t>
             </a:fld>
             <a:endParaRPr lang="en-US"/>
           </a:p>
@@ -3973,7 +3979,7 @@
           <a:p>
             <a:fld id="{B7A8B843-3DD1-44C6-95D3-BD37FAAC3607}" type="datetimeFigureOut">
               <a:rPr lang="en-US" smtClean="0"/>
-              <a:t>11/7/2018</a:t>
+              <a:t>11/8/2018</a:t>
             </a:fld>
             <a:endParaRPr lang="en-US"/>
           </a:p>
@@ -4153,7 +4159,7 @@
           <a:p>
             <a:fld id="{B7A8B843-3DD1-44C6-95D3-BD37FAAC3607}" type="datetimeFigureOut">
               <a:rPr lang="en-US" smtClean="0"/>
-              <a:t>11/7/2018</a:t>
+              <a:t>11/8/2018</a:t>
             </a:fld>
             <a:endParaRPr lang="en-US"/>
           </a:p>
@@ -4925,7 +4931,7 @@
           <a:p>
             <a:fld id="{B7A8B843-3DD1-44C6-95D3-BD37FAAC3607}" type="datetimeFigureOut">
               <a:rPr lang="en-US" smtClean="0"/>
-              <a:t>11/7/2018</a:t>
+              <a:t>11/8/2018</a:t>
             </a:fld>
             <a:endParaRPr lang="en-US"/>
           </a:p>
@@ -5179,7 +5185,7 @@
           <a:p>
             <a:fld id="{B7A8B843-3DD1-44C6-95D3-BD37FAAC3607}" type="datetimeFigureOut">
               <a:rPr lang="en-US" smtClean="0"/>
-              <a:t>11/7/2018</a:t>
+              <a:t>11/8/2018</a:t>
             </a:fld>
             <a:endParaRPr lang="en-US"/>
           </a:p>
@@ -5467,7 +5473,7 @@
           <a:p>
             <a:fld id="{B7A8B843-3DD1-44C6-95D3-BD37FAAC3607}" type="datetimeFigureOut">
               <a:rPr lang="en-US" smtClean="0"/>
-              <a:t>11/7/2018</a:t>
+              <a:t>11/8/2018</a:t>
             </a:fld>
             <a:endParaRPr lang="en-US"/>
           </a:p>
@@ -5909,7 +5915,7 @@
           <a:p>
             <a:fld id="{B7A8B843-3DD1-44C6-95D3-BD37FAAC3607}" type="datetimeFigureOut">
               <a:rPr lang="en-US" smtClean="0"/>
-              <a:t>11/7/2018</a:t>
+              <a:t>11/8/2018</a:t>
             </a:fld>
             <a:endParaRPr lang="en-US"/>
           </a:p>
@@ -6027,7 +6033,7 @@
           <a:p>
             <a:fld id="{B7A8B843-3DD1-44C6-95D3-BD37FAAC3607}" type="datetimeFigureOut">
               <a:rPr lang="en-US" smtClean="0"/>
-              <a:t>11/7/2018</a:t>
+              <a:t>11/8/2018</a:t>
             </a:fld>
             <a:endParaRPr lang="en-US"/>
           </a:p>
@@ -6122,7 +6128,7 @@
           <a:p>
             <a:fld id="{B7A8B843-3DD1-44C6-95D3-BD37FAAC3607}" type="datetimeFigureOut">
               <a:rPr lang="en-US" smtClean="0"/>
-              <a:t>11/7/2018</a:t>
+              <a:t>11/8/2018</a:t>
             </a:fld>
             <a:endParaRPr lang="en-US"/>
           </a:p>
@@ -6410,7 +6416,7 @@
           <a:p>
             <a:fld id="{B7A8B843-3DD1-44C6-95D3-BD37FAAC3607}" type="datetimeFigureOut">
               <a:rPr lang="en-US" smtClean="0"/>
-              <a:t>11/7/2018</a:t>
+              <a:t>11/8/2018</a:t>
             </a:fld>
             <a:endParaRPr lang="en-US"/>
           </a:p>
@@ -6683,7 +6689,7 @@
           <a:p>
             <a:fld id="{B7A8B843-3DD1-44C6-95D3-BD37FAAC3607}" type="datetimeFigureOut">
               <a:rPr lang="en-US" smtClean="0"/>
-              <a:t>11/7/2018</a:t>
+              <a:t>11/8/2018</a:t>
             </a:fld>
             <a:endParaRPr lang="en-US"/>
           </a:p>
@@ -6980,7 +6986,7 @@
           <a:p>
             <a:fld id="{B7A8B843-3DD1-44C6-95D3-BD37FAAC3607}" type="datetimeFigureOut">
               <a:rPr lang="en-US" smtClean="0"/>
-              <a:t>11/7/2018</a:t>
+              <a:t>11/8/2018</a:t>
             </a:fld>
             <a:endParaRPr lang="en-US"/>
           </a:p>
@@ -8096,7 +8102,7 @@
           <a:graphicData uri="http://schemas.openxmlformats.org/presentationml/2006/ole">
             <mc:AlternateContent xmlns:mc="http://schemas.openxmlformats.org/markup-compatibility/2006">
               <mc:Choice xmlns:v="urn:schemas-microsoft-com:vml" Requires="v">
-                <p:oleObj spid="_x0000_s6168" name="Document" r:id="rId4" imgW="4096513" imgH="2198458" progId="Word.Document.8">
+                <p:oleObj spid="_x0000_s6177" name="Document" r:id="rId4" imgW="4096513" imgH="2198458" progId="Word.Document.8">
                   <p:embed/>
                 </p:oleObj>
               </mc:Choice>
@@ -8344,7 +8350,7 @@
             </a:extLst>
           </p:cNvPr>
           <p:cNvGraphicFramePr>
-            <a:graphicFrameLocks noChangeAspect="1"/>
+            <a:graphicFrameLocks noGrp="1" noChangeAspect="1"/>
           </p:cNvGraphicFramePr>
           <p:nvPr>
             <p:ph sz="half" idx="2"/>
@@ -8363,7 +8369,7 @@
           <a:graphicData uri="http://schemas.openxmlformats.org/presentationml/2006/ole">
             <mc:AlternateContent xmlns:mc="http://schemas.openxmlformats.org/markup-compatibility/2006">
               <mc:Choice xmlns:v="urn:schemas-microsoft-com:vml" Requires="v">
-                <p:oleObj spid="_x0000_s8212" name="Equation" r:id="rId3" imgW="2260600" imgH="431800" progId="Equation.3">
+                <p:oleObj spid="_x0000_s8221" name="Equation" r:id="rId3" imgW="2260600" imgH="431800" progId="Equation.3">
                   <p:embed/>
                 </p:oleObj>
               </mc:Choice>
@@ -8499,7 +8505,7 @@
           <a:graphicData uri="http://schemas.openxmlformats.org/presentationml/2006/ole">
             <mc:AlternateContent xmlns:mc="http://schemas.openxmlformats.org/markup-compatibility/2006">
               <mc:Choice xmlns:v="urn:schemas-microsoft-com:vml" Requires="v">
-                <p:oleObj spid="_x0000_s7188" name="Document" r:id="rId3" imgW="4472164" imgH="2398777" progId="Word.Document.8">
+                <p:oleObj spid="_x0000_s7197" name="Document" r:id="rId3" imgW="4472164" imgH="2398777" progId="Word.Document.8">
                   <p:embed/>
                 </p:oleObj>
               </mc:Choice>
@@ -8610,6 +8616,1385 @@
       </p:grpSpPr>
       <p:sp>
         <p:nvSpPr>
+          <p:cNvPr id="2" name="Title 1">
+            <a:extLst>
+              <a:ext uri="{FF2B5EF4-FFF2-40B4-BE49-F238E27FC236}">
+                <a16:creationId xmlns:a16="http://schemas.microsoft.com/office/drawing/2014/main" id="{BE806936-1A27-4D26-9011-1A1828C0855C}"/>
+              </a:ext>
+            </a:extLst>
+          </p:cNvPr>
+          <p:cNvSpPr>
+            <a:spLocks noGrp="1"/>
+          </p:cNvSpPr>
+          <p:nvPr>
+            <p:ph type="title"/>
+          </p:nvPr>
+        </p:nvSpPr>
+        <p:spPr/>
+        <p:txBody>
+          <a:bodyPr/>
+          <a:lstStyle/>
+          <a:p>
+            <a:r>
+              <a:rPr lang="en-US" altLang="en-US" dirty="0"/>
+              <a:t>Cross Tabulation Table</a:t>
+            </a:r>
+            <a:endParaRPr lang="en-US" dirty="0"/>
+          </a:p>
+        </p:txBody>
+      </p:sp>
+      <p:pic>
+        <p:nvPicPr>
+          <p:cNvPr id="5" name="Picture 4">
+            <a:extLst>
+              <a:ext uri="{FF2B5EF4-FFF2-40B4-BE49-F238E27FC236}">
+                <a16:creationId xmlns:a16="http://schemas.microsoft.com/office/drawing/2014/main" id="{02DFB3C0-A428-426D-8FAE-90DB0FB144A7}"/>
+              </a:ext>
+            </a:extLst>
+          </p:cNvPr>
+          <p:cNvPicPr>
+            <a:picLocks noChangeAspect="1"/>
+          </p:cNvPicPr>
+          <p:nvPr/>
+        </p:nvPicPr>
+        <p:blipFill>
+          <a:blip r:embed="rId2">
+            <a:extLst>
+              <a:ext uri="{28A0092B-C50C-407E-A947-70E740481C1C}">
+                <a14:useLocalDpi xmlns:a14="http://schemas.microsoft.com/office/drawing/2010/main" val="0"/>
+              </a:ext>
+            </a:extLst>
+          </a:blip>
+          <a:stretch>
+            <a:fillRect/>
+          </a:stretch>
+        </p:blipFill>
+        <p:spPr>
+          <a:xfrm>
+            <a:off x="3851192" y="1581101"/>
+            <a:ext cx="7291290" cy="4230392"/>
+          </a:xfrm>
+          <a:prstGeom prst="rect">
+            <a:avLst/>
+          </a:prstGeom>
+        </p:spPr>
+      </p:pic>
+      <p:sp>
+        <p:nvSpPr>
+          <p:cNvPr id="8" name="Rectangle 7">
+            <a:extLst>
+              <a:ext uri="{FF2B5EF4-FFF2-40B4-BE49-F238E27FC236}">
+                <a16:creationId xmlns:a16="http://schemas.microsoft.com/office/drawing/2014/main" id="{5ED01E66-9B25-42EE-98AB-49E1B83084B5}"/>
+              </a:ext>
+            </a:extLst>
+          </p:cNvPr>
+          <p:cNvSpPr/>
+          <p:nvPr/>
+        </p:nvSpPr>
+        <p:spPr>
+          <a:xfrm>
+            <a:off x="5478010" y="2359681"/>
+            <a:ext cx="5485364" cy="339629"/>
+          </a:xfrm>
+          <a:prstGeom prst="rect">
+            <a:avLst/>
+          </a:prstGeom>
+          <a:noFill/>
+          <a:ln w="38100">
+            <a:solidFill>
+              <a:schemeClr val="accent5"/>
+            </a:solidFill>
+          </a:ln>
+        </p:spPr>
+        <p:style>
+          <a:lnRef idx="2">
+            <a:schemeClr val="accent6"/>
+          </a:lnRef>
+          <a:fillRef idx="1">
+            <a:schemeClr val="lt1"/>
+          </a:fillRef>
+          <a:effectRef idx="0">
+            <a:schemeClr val="accent6"/>
+          </a:effectRef>
+          <a:fontRef idx="minor">
+            <a:schemeClr val="dk1"/>
+          </a:fontRef>
+        </p:style>
+        <p:txBody>
+          <a:bodyPr rtlCol="0" anchor="ctr"/>
+          <a:lstStyle/>
+          <a:p>
+            <a:pPr algn="ctr"/>
+            <a:endParaRPr lang="en-US"/>
+          </a:p>
+        </p:txBody>
+      </p:sp>
+      <p:sp>
+        <p:nvSpPr>
+          <p:cNvPr id="6" name="Rectangle 5">
+            <a:extLst>
+              <a:ext uri="{FF2B5EF4-FFF2-40B4-BE49-F238E27FC236}">
+                <a16:creationId xmlns:a16="http://schemas.microsoft.com/office/drawing/2014/main" id="{2033FCE0-B3E7-4544-9E13-D31A93E921AF}"/>
+              </a:ext>
+            </a:extLst>
+          </p:cNvPr>
+          <p:cNvSpPr/>
+          <p:nvPr/>
+        </p:nvSpPr>
+        <p:spPr>
+          <a:xfrm>
+            <a:off x="2925967" y="2337285"/>
+            <a:ext cx="2984471" cy="400110"/>
+          </a:xfrm>
+          <a:prstGeom prst="rect">
+            <a:avLst/>
+          </a:prstGeom>
+          <a:noFill/>
+        </p:spPr>
+        <p:txBody>
+          <a:bodyPr wrap="square" lIns="91440" tIns="45720" rIns="91440" bIns="45720">
+            <a:spAutoFit/>
+          </a:bodyPr>
+          <a:lstStyle/>
+          <a:p>
+            <a:pPr algn="ctr"/>
+            <a:r>
+              <a:rPr lang="en-US" sz="2000" dirty="0">
+                <a:ln w="0"/>
+                <a:solidFill>
+                  <a:schemeClr val="accent5"/>
+                </a:solidFill>
+                <a:effectLst>
+                  <a:outerShdw blurRad="38100" dist="25400" dir="5400000" algn="ctr" rotWithShape="0">
+                    <a:srgbClr val="6E747A">
+                      <a:alpha val="43000"/>
+                    </a:srgbClr>
+                  </a:outerShdw>
+                </a:effectLst>
+              </a:rPr>
+              <a:t>Row Total</a:t>
+            </a:r>
+          </a:p>
+        </p:txBody>
+      </p:sp>
+      <p:sp>
+        <p:nvSpPr>
+          <p:cNvPr id="10" name="Rectangle 9">
+            <a:extLst>
+              <a:ext uri="{FF2B5EF4-FFF2-40B4-BE49-F238E27FC236}">
+                <a16:creationId xmlns:a16="http://schemas.microsoft.com/office/drawing/2014/main" id="{438B64BF-B430-4567-A1D9-AC70F9561300}"/>
+              </a:ext>
+            </a:extLst>
+          </p:cNvPr>
+          <p:cNvSpPr/>
+          <p:nvPr/>
+        </p:nvSpPr>
+        <p:spPr>
+          <a:xfrm>
+            <a:off x="5478010" y="2881197"/>
+            <a:ext cx="4085440" cy="197563"/>
+          </a:xfrm>
+          <a:prstGeom prst="rect">
+            <a:avLst/>
+          </a:prstGeom>
+          <a:noFill/>
+          <a:ln w="38100">
+            <a:solidFill>
+              <a:schemeClr val="accent2"/>
+            </a:solidFill>
+          </a:ln>
+        </p:spPr>
+        <p:style>
+          <a:lnRef idx="2">
+            <a:schemeClr val="accent6"/>
+          </a:lnRef>
+          <a:fillRef idx="1">
+            <a:schemeClr val="lt1"/>
+          </a:fillRef>
+          <a:effectRef idx="0">
+            <a:schemeClr val="accent6"/>
+          </a:effectRef>
+          <a:fontRef idx="minor">
+            <a:schemeClr val="dk1"/>
+          </a:fontRef>
+        </p:style>
+        <p:txBody>
+          <a:bodyPr rtlCol="0" anchor="ctr"/>
+          <a:lstStyle/>
+          <a:p>
+            <a:pPr algn="ctr"/>
+            <a:endParaRPr lang="en-US"/>
+          </a:p>
+        </p:txBody>
+      </p:sp>
+      <p:sp>
+        <p:nvSpPr>
+          <p:cNvPr id="11" name="Rectangle 10">
+            <a:extLst>
+              <a:ext uri="{FF2B5EF4-FFF2-40B4-BE49-F238E27FC236}">
+                <a16:creationId xmlns:a16="http://schemas.microsoft.com/office/drawing/2014/main" id="{7B0F7145-7E3B-4D83-8659-F4C5C31548F3}"/>
+              </a:ext>
+            </a:extLst>
+          </p:cNvPr>
+          <p:cNvSpPr/>
+          <p:nvPr/>
+        </p:nvSpPr>
+        <p:spPr>
+          <a:xfrm>
+            <a:off x="2925967" y="2858800"/>
+            <a:ext cx="2984471" cy="400110"/>
+          </a:xfrm>
+          <a:prstGeom prst="rect">
+            <a:avLst/>
+          </a:prstGeom>
+          <a:noFill/>
+        </p:spPr>
+        <p:txBody>
+          <a:bodyPr wrap="square" lIns="91440" tIns="45720" rIns="91440" bIns="45720">
+            <a:spAutoFit/>
+          </a:bodyPr>
+          <a:lstStyle/>
+          <a:p>
+            <a:pPr algn="ctr"/>
+            <a:r>
+              <a:rPr lang="en-US" sz="2000" dirty="0">
+                <a:ln w="0"/>
+                <a:solidFill>
+                  <a:schemeClr val="accent2"/>
+                </a:solidFill>
+                <a:effectLst>
+                  <a:outerShdw blurRad="38100" dist="25400" dir="5400000" algn="ctr" rotWithShape="0">
+                    <a:srgbClr val="6E747A">
+                      <a:alpha val="43000"/>
+                    </a:srgbClr>
+                  </a:outerShdw>
+                </a:effectLst>
+              </a:rPr>
+              <a:t>Row Percent</a:t>
+            </a:r>
+          </a:p>
+        </p:txBody>
+      </p:sp>
+      <p:sp>
+        <p:nvSpPr>
+          <p:cNvPr id="12" name="Rectangle 11">
+            <a:extLst>
+              <a:ext uri="{FF2B5EF4-FFF2-40B4-BE49-F238E27FC236}">
+                <a16:creationId xmlns:a16="http://schemas.microsoft.com/office/drawing/2014/main" id="{A727BA5E-B377-4F6D-8DCD-54CB3F14DBCA}"/>
+              </a:ext>
+            </a:extLst>
+          </p:cNvPr>
+          <p:cNvSpPr/>
+          <p:nvPr/>
+        </p:nvSpPr>
+        <p:spPr>
+          <a:xfrm>
+            <a:off x="5478010" y="4363835"/>
+            <a:ext cx="1341079" cy="283666"/>
+          </a:xfrm>
+          <a:prstGeom prst="rect">
+            <a:avLst/>
+          </a:prstGeom>
+          <a:noFill/>
+          <a:ln w="38100">
+            <a:solidFill>
+              <a:schemeClr val="accent6"/>
+            </a:solidFill>
+          </a:ln>
+        </p:spPr>
+        <p:style>
+          <a:lnRef idx="2">
+            <a:schemeClr val="accent6"/>
+          </a:lnRef>
+          <a:fillRef idx="1">
+            <a:schemeClr val="lt1"/>
+          </a:fillRef>
+          <a:effectRef idx="0">
+            <a:schemeClr val="accent6"/>
+          </a:effectRef>
+          <a:fontRef idx="minor">
+            <a:schemeClr val="dk1"/>
+          </a:fontRef>
+        </p:style>
+        <p:txBody>
+          <a:bodyPr rtlCol="0" anchor="ctr"/>
+          <a:lstStyle/>
+          <a:p>
+            <a:pPr algn="ctr"/>
+            <a:endParaRPr lang="en-US"/>
+          </a:p>
+        </p:txBody>
+      </p:sp>
+      <p:sp>
+        <p:nvSpPr>
+          <p:cNvPr id="13" name="Rectangle 12">
+            <a:extLst>
+              <a:ext uri="{FF2B5EF4-FFF2-40B4-BE49-F238E27FC236}">
+                <a16:creationId xmlns:a16="http://schemas.microsoft.com/office/drawing/2014/main" id="{A80A2FCD-2C5D-4D1E-B0AB-0ACC2CA7B6F7}"/>
+              </a:ext>
+            </a:extLst>
+          </p:cNvPr>
+          <p:cNvSpPr/>
+          <p:nvPr/>
+        </p:nvSpPr>
+        <p:spPr>
+          <a:xfrm>
+            <a:off x="2925968" y="4341438"/>
+            <a:ext cx="2929316" cy="400110"/>
+          </a:xfrm>
+          <a:prstGeom prst="rect">
+            <a:avLst/>
+          </a:prstGeom>
+          <a:noFill/>
+        </p:spPr>
+        <p:txBody>
+          <a:bodyPr wrap="square" lIns="91440" tIns="45720" rIns="91440" bIns="45720">
+            <a:spAutoFit/>
+          </a:bodyPr>
+          <a:lstStyle/>
+          <a:p>
+            <a:pPr algn="ctr"/>
+            <a:r>
+              <a:rPr lang="en-US" sz="2000" dirty="0">
+                <a:ln w="0"/>
+                <a:solidFill>
+                  <a:schemeClr val="accent6"/>
+                </a:solidFill>
+                <a:effectLst>
+                  <a:outerShdw blurRad="38100" dist="25400" dir="5400000" algn="ctr" rotWithShape="0">
+                    <a:srgbClr val="6E747A">
+                      <a:alpha val="43000"/>
+                    </a:srgbClr>
+                  </a:outerShdw>
+                </a:effectLst>
+              </a:rPr>
+              <a:t>Column Percent</a:t>
+            </a:r>
+          </a:p>
+        </p:txBody>
+      </p:sp>
+      <p:sp>
+        <p:nvSpPr>
+          <p:cNvPr id="14" name="Rectangle 13">
+            <a:extLst>
+              <a:ext uri="{FF2B5EF4-FFF2-40B4-BE49-F238E27FC236}">
+                <a16:creationId xmlns:a16="http://schemas.microsoft.com/office/drawing/2014/main" id="{19116C51-1F54-4A16-947E-17CD2A6FDAAD}"/>
+              </a:ext>
+            </a:extLst>
+          </p:cNvPr>
+          <p:cNvSpPr/>
+          <p:nvPr/>
+        </p:nvSpPr>
+        <p:spPr>
+          <a:xfrm>
+            <a:off x="5478009" y="3056696"/>
+            <a:ext cx="1341079" cy="283666"/>
+          </a:xfrm>
+          <a:prstGeom prst="rect">
+            <a:avLst/>
+          </a:prstGeom>
+          <a:noFill/>
+          <a:ln w="38100">
+            <a:solidFill>
+              <a:schemeClr val="accent6"/>
+            </a:solidFill>
+          </a:ln>
+        </p:spPr>
+        <p:style>
+          <a:lnRef idx="2">
+            <a:schemeClr val="accent6"/>
+          </a:lnRef>
+          <a:fillRef idx="1">
+            <a:schemeClr val="lt1"/>
+          </a:fillRef>
+          <a:effectRef idx="0">
+            <a:schemeClr val="accent6"/>
+          </a:effectRef>
+          <a:fontRef idx="minor">
+            <a:schemeClr val="dk1"/>
+          </a:fontRef>
+        </p:style>
+        <p:txBody>
+          <a:bodyPr rtlCol="0" anchor="ctr"/>
+          <a:lstStyle/>
+          <a:p>
+            <a:pPr algn="ctr"/>
+            <a:endParaRPr lang="en-US"/>
+          </a:p>
+        </p:txBody>
+      </p:sp>
+      <p:sp>
+        <p:nvSpPr>
+          <p:cNvPr id="15" name="Rectangle 14">
+            <a:extLst>
+              <a:ext uri="{FF2B5EF4-FFF2-40B4-BE49-F238E27FC236}">
+                <a16:creationId xmlns:a16="http://schemas.microsoft.com/office/drawing/2014/main" id="{8855F173-63C2-4D6F-AF79-0E2278D289D2}"/>
+              </a:ext>
+            </a:extLst>
+          </p:cNvPr>
+          <p:cNvSpPr/>
+          <p:nvPr/>
+        </p:nvSpPr>
+        <p:spPr>
+          <a:xfrm>
+            <a:off x="5478009" y="3316444"/>
+            <a:ext cx="1341079" cy="283666"/>
+          </a:xfrm>
+          <a:prstGeom prst="rect">
+            <a:avLst/>
+          </a:prstGeom>
+          <a:noFill/>
+          <a:ln w="38100">
+            <a:solidFill>
+              <a:schemeClr val="accent1"/>
+            </a:solidFill>
+          </a:ln>
+        </p:spPr>
+        <p:style>
+          <a:lnRef idx="2">
+            <a:schemeClr val="accent6"/>
+          </a:lnRef>
+          <a:fillRef idx="1">
+            <a:schemeClr val="lt1"/>
+          </a:fillRef>
+          <a:effectRef idx="0">
+            <a:schemeClr val="accent6"/>
+          </a:effectRef>
+          <a:fontRef idx="minor">
+            <a:schemeClr val="dk1"/>
+          </a:fontRef>
+        </p:style>
+        <p:txBody>
+          <a:bodyPr rtlCol="0" anchor="ctr"/>
+          <a:lstStyle/>
+          <a:p>
+            <a:pPr algn="ctr"/>
+            <a:endParaRPr lang="en-US"/>
+          </a:p>
+        </p:txBody>
+      </p:sp>
+      <p:sp>
+        <p:nvSpPr>
+          <p:cNvPr id="16" name="Rectangle 15">
+            <a:extLst>
+              <a:ext uri="{FF2B5EF4-FFF2-40B4-BE49-F238E27FC236}">
+                <a16:creationId xmlns:a16="http://schemas.microsoft.com/office/drawing/2014/main" id="{4F006896-3230-4355-A00E-B6346B5AB13A}"/>
+              </a:ext>
+            </a:extLst>
+          </p:cNvPr>
+          <p:cNvSpPr/>
+          <p:nvPr/>
+        </p:nvSpPr>
+        <p:spPr>
+          <a:xfrm>
+            <a:off x="6850189" y="3326020"/>
+            <a:ext cx="1341079" cy="283666"/>
+          </a:xfrm>
+          <a:prstGeom prst="rect">
+            <a:avLst/>
+          </a:prstGeom>
+          <a:noFill/>
+          <a:ln w="38100">
+            <a:solidFill>
+              <a:schemeClr val="accent1"/>
+            </a:solidFill>
+          </a:ln>
+        </p:spPr>
+        <p:style>
+          <a:lnRef idx="2">
+            <a:schemeClr val="accent6"/>
+          </a:lnRef>
+          <a:fillRef idx="1">
+            <a:schemeClr val="lt1"/>
+          </a:fillRef>
+          <a:effectRef idx="0">
+            <a:schemeClr val="accent6"/>
+          </a:effectRef>
+          <a:fontRef idx="minor">
+            <a:schemeClr val="dk1"/>
+          </a:fontRef>
+        </p:style>
+        <p:txBody>
+          <a:bodyPr rtlCol="0" anchor="ctr"/>
+          <a:lstStyle/>
+          <a:p>
+            <a:pPr algn="ctr"/>
+            <a:endParaRPr lang="en-US"/>
+          </a:p>
+        </p:txBody>
+      </p:sp>
+      <p:sp>
+        <p:nvSpPr>
+          <p:cNvPr id="17" name="Rectangle 16">
+            <a:extLst>
+              <a:ext uri="{FF2B5EF4-FFF2-40B4-BE49-F238E27FC236}">
+                <a16:creationId xmlns:a16="http://schemas.microsoft.com/office/drawing/2014/main" id="{02CC5401-91CF-42CA-8E0C-5BFF481B7C83}"/>
+              </a:ext>
+            </a:extLst>
+          </p:cNvPr>
+          <p:cNvSpPr/>
+          <p:nvPr/>
+        </p:nvSpPr>
+        <p:spPr>
+          <a:xfrm>
+            <a:off x="8252699" y="3326020"/>
+            <a:ext cx="1341079" cy="283666"/>
+          </a:xfrm>
+          <a:prstGeom prst="rect">
+            <a:avLst/>
+          </a:prstGeom>
+          <a:noFill/>
+          <a:ln w="38100">
+            <a:solidFill>
+              <a:schemeClr val="accent1"/>
+            </a:solidFill>
+          </a:ln>
+        </p:spPr>
+        <p:style>
+          <a:lnRef idx="2">
+            <a:schemeClr val="accent6"/>
+          </a:lnRef>
+          <a:fillRef idx="1">
+            <a:schemeClr val="lt1"/>
+          </a:fillRef>
+          <a:effectRef idx="0">
+            <a:schemeClr val="accent6"/>
+          </a:effectRef>
+          <a:fontRef idx="minor">
+            <a:schemeClr val="dk1"/>
+          </a:fontRef>
+        </p:style>
+        <p:txBody>
+          <a:bodyPr rtlCol="0" anchor="ctr"/>
+          <a:lstStyle/>
+          <a:p>
+            <a:pPr algn="ctr"/>
+            <a:endParaRPr lang="en-US"/>
+          </a:p>
+        </p:txBody>
+      </p:sp>
+      <p:sp>
+        <p:nvSpPr>
+          <p:cNvPr id="18" name="Rectangle 17">
+            <a:extLst>
+              <a:ext uri="{FF2B5EF4-FFF2-40B4-BE49-F238E27FC236}">
+                <a16:creationId xmlns:a16="http://schemas.microsoft.com/office/drawing/2014/main" id="{FC829EB5-4A11-46EC-8B63-61A0B4263A5A}"/>
+              </a:ext>
+            </a:extLst>
+          </p:cNvPr>
+          <p:cNvSpPr/>
+          <p:nvPr/>
+        </p:nvSpPr>
+        <p:spPr>
+          <a:xfrm>
+            <a:off x="5478009" y="4599715"/>
+            <a:ext cx="1341079" cy="283666"/>
+          </a:xfrm>
+          <a:prstGeom prst="rect">
+            <a:avLst/>
+          </a:prstGeom>
+          <a:noFill/>
+          <a:ln w="38100">
+            <a:solidFill>
+              <a:schemeClr val="accent1"/>
+            </a:solidFill>
+          </a:ln>
+        </p:spPr>
+        <p:style>
+          <a:lnRef idx="2">
+            <a:schemeClr val="accent6"/>
+          </a:lnRef>
+          <a:fillRef idx="1">
+            <a:schemeClr val="lt1"/>
+          </a:fillRef>
+          <a:effectRef idx="0">
+            <a:schemeClr val="accent6"/>
+          </a:effectRef>
+          <a:fontRef idx="minor">
+            <a:schemeClr val="dk1"/>
+          </a:fontRef>
+        </p:style>
+        <p:txBody>
+          <a:bodyPr rtlCol="0" anchor="ctr"/>
+          <a:lstStyle/>
+          <a:p>
+            <a:pPr algn="ctr"/>
+            <a:endParaRPr lang="en-US"/>
+          </a:p>
+        </p:txBody>
+      </p:sp>
+      <p:sp>
+        <p:nvSpPr>
+          <p:cNvPr id="19" name="Rectangle 18">
+            <a:extLst>
+              <a:ext uri="{FF2B5EF4-FFF2-40B4-BE49-F238E27FC236}">
+                <a16:creationId xmlns:a16="http://schemas.microsoft.com/office/drawing/2014/main" id="{7AB31060-E260-4A61-AE30-AA9740F2DCBC}"/>
+              </a:ext>
+            </a:extLst>
+          </p:cNvPr>
+          <p:cNvSpPr/>
+          <p:nvPr/>
+        </p:nvSpPr>
+        <p:spPr>
+          <a:xfrm>
+            <a:off x="6850360" y="4569480"/>
+            <a:ext cx="1341079" cy="283666"/>
+          </a:xfrm>
+          <a:prstGeom prst="rect">
+            <a:avLst/>
+          </a:prstGeom>
+          <a:noFill/>
+          <a:ln w="38100">
+            <a:solidFill>
+              <a:schemeClr val="accent1"/>
+            </a:solidFill>
+          </a:ln>
+        </p:spPr>
+        <p:style>
+          <a:lnRef idx="2">
+            <a:schemeClr val="accent6"/>
+          </a:lnRef>
+          <a:fillRef idx="1">
+            <a:schemeClr val="lt1"/>
+          </a:fillRef>
+          <a:effectRef idx="0">
+            <a:schemeClr val="accent6"/>
+          </a:effectRef>
+          <a:fontRef idx="minor">
+            <a:schemeClr val="dk1"/>
+          </a:fontRef>
+        </p:style>
+        <p:txBody>
+          <a:bodyPr rtlCol="0" anchor="ctr"/>
+          <a:lstStyle/>
+          <a:p>
+            <a:pPr algn="ctr"/>
+            <a:endParaRPr lang="en-US"/>
+          </a:p>
+        </p:txBody>
+      </p:sp>
+      <p:sp>
+        <p:nvSpPr>
+          <p:cNvPr id="20" name="Rectangle 19">
+            <a:extLst>
+              <a:ext uri="{FF2B5EF4-FFF2-40B4-BE49-F238E27FC236}">
+                <a16:creationId xmlns:a16="http://schemas.microsoft.com/office/drawing/2014/main" id="{14507C23-0EBE-49FE-A5FD-3951F4BAAC1B}"/>
+              </a:ext>
+            </a:extLst>
+          </p:cNvPr>
+          <p:cNvSpPr/>
+          <p:nvPr/>
+        </p:nvSpPr>
+        <p:spPr>
+          <a:xfrm>
+            <a:off x="8252698" y="4569632"/>
+            <a:ext cx="1341079" cy="283666"/>
+          </a:xfrm>
+          <a:prstGeom prst="rect">
+            <a:avLst/>
+          </a:prstGeom>
+          <a:noFill/>
+          <a:ln w="38100">
+            <a:solidFill>
+              <a:schemeClr val="accent1"/>
+            </a:solidFill>
+          </a:ln>
+        </p:spPr>
+        <p:style>
+          <a:lnRef idx="2">
+            <a:schemeClr val="accent6"/>
+          </a:lnRef>
+          <a:fillRef idx="1">
+            <a:schemeClr val="lt1"/>
+          </a:fillRef>
+          <a:effectRef idx="0">
+            <a:schemeClr val="accent6"/>
+          </a:effectRef>
+          <a:fontRef idx="minor">
+            <a:schemeClr val="dk1"/>
+          </a:fontRef>
+        </p:style>
+        <p:txBody>
+          <a:bodyPr rtlCol="0" anchor="ctr"/>
+          <a:lstStyle/>
+          <a:p>
+            <a:pPr algn="ctr"/>
+            <a:endParaRPr lang="en-US"/>
+          </a:p>
+        </p:txBody>
+      </p:sp>
+      <p:sp>
+        <p:nvSpPr>
+          <p:cNvPr id="21" name="Rectangle 20">
+            <a:extLst>
+              <a:ext uri="{FF2B5EF4-FFF2-40B4-BE49-F238E27FC236}">
+                <a16:creationId xmlns:a16="http://schemas.microsoft.com/office/drawing/2014/main" id="{552F7AE6-E731-477C-AB22-2DFCE1512115}"/>
+              </a:ext>
+            </a:extLst>
+          </p:cNvPr>
+          <p:cNvSpPr/>
+          <p:nvPr/>
+        </p:nvSpPr>
+        <p:spPr>
+          <a:xfrm>
+            <a:off x="3422077" y="3781996"/>
+            <a:ext cx="2929316" cy="400110"/>
+          </a:xfrm>
+          <a:prstGeom prst="rect">
+            <a:avLst/>
+          </a:prstGeom>
+          <a:noFill/>
+        </p:spPr>
+        <p:txBody>
+          <a:bodyPr wrap="square" lIns="91440" tIns="45720" rIns="91440" bIns="45720">
+            <a:spAutoFit/>
+          </a:bodyPr>
+          <a:lstStyle/>
+          <a:p>
+            <a:pPr algn="ctr"/>
+            <a:r>
+              <a:rPr lang="en-US" sz="2000" dirty="0">
+                <a:ln w="0"/>
+                <a:solidFill>
+                  <a:schemeClr val="accent1"/>
+                </a:solidFill>
+                <a:effectLst>
+                  <a:outerShdw blurRad="38100" dist="25400" dir="5400000" algn="ctr" rotWithShape="0">
+                    <a:srgbClr val="6E747A">
+                      <a:alpha val="43000"/>
+                    </a:srgbClr>
+                  </a:outerShdw>
+                </a:effectLst>
+              </a:rPr>
+              <a:t>Individual Cell Percent</a:t>
+            </a:r>
+          </a:p>
+        </p:txBody>
+      </p:sp>
+    </p:spTree>
+    <p:extLst>
+      <p:ext uri="{BB962C8B-B14F-4D97-AF65-F5344CB8AC3E}">
+        <p14:creationId xmlns:p14="http://schemas.microsoft.com/office/powerpoint/2010/main" val="2555038644"/>
+      </p:ext>
+    </p:extLst>
+  </p:cSld>
+  <p:clrMapOvr>
+    <a:masterClrMapping/>
+  </p:clrMapOvr>
+  <p:timing>
+    <p:tnLst>
+      <p:par>
+        <p:cTn id="1" dur="indefinite" restart="never" nodeType="tmRoot">
+          <p:childTnLst>
+            <p:seq concurrent="1" nextAc="seek">
+              <p:cTn id="2" dur="indefinite" nodeType="mainSeq">
+                <p:childTnLst>
+                  <p:par>
+                    <p:cTn id="3" fill="hold">
+                      <p:stCondLst>
+                        <p:cond delay="indefinite"/>
+                      </p:stCondLst>
+                      <p:childTnLst>
+                        <p:par>
+                          <p:cTn id="4" fill="hold">
+                            <p:stCondLst>
+                              <p:cond delay="0"/>
+                            </p:stCondLst>
+                            <p:childTnLst>
+                              <p:par>
+                                <p:cTn id="5" presetID="10" presetClass="entr" presetSubtype="0" fill="hold" grpId="0" nodeType="clickEffect">
+                                  <p:stCondLst>
+                                    <p:cond delay="0"/>
+                                  </p:stCondLst>
+                                  <p:childTnLst>
+                                    <p:set>
+                                      <p:cBhvr>
+                                        <p:cTn id="6" dur="1" fill="hold">
+                                          <p:stCondLst>
+                                            <p:cond delay="0"/>
+                                          </p:stCondLst>
+                                        </p:cTn>
+                                        <p:tgtEl>
+                                          <p:spTgt spid="8"/>
+                                        </p:tgtEl>
+                                        <p:attrNameLst>
+                                          <p:attrName>style.visibility</p:attrName>
+                                        </p:attrNameLst>
+                                      </p:cBhvr>
+                                      <p:to>
+                                        <p:strVal val="visible"/>
+                                      </p:to>
+                                    </p:set>
+                                    <p:animEffect transition="in" filter="fade">
+                                      <p:cBhvr>
+                                        <p:cTn id="7" dur="500"/>
+                                        <p:tgtEl>
+                                          <p:spTgt spid="8"/>
+                                        </p:tgtEl>
+                                      </p:cBhvr>
+                                    </p:animEffect>
+                                  </p:childTnLst>
+                                  <p:subTnLst>
+                                    <p:set>
+                                      <p:cBhvr override="childStyle">
+                                        <p:cTn dur="1" fill="hold" display="0" masterRel="nextClick" afterEffect="1"/>
+                                        <p:tgtEl>
+                                          <p:spTgt spid="8"/>
+                                        </p:tgtEl>
+                                        <p:attrNameLst>
+                                          <p:attrName>style.visibility</p:attrName>
+                                        </p:attrNameLst>
+                                      </p:cBhvr>
+                                      <p:to>
+                                        <p:strVal val="hidden"/>
+                                      </p:to>
+                                    </p:set>
+                                  </p:subTnLst>
+                                </p:cTn>
+                              </p:par>
+                              <p:par>
+                                <p:cTn id="8" presetID="10" presetClass="entr" presetSubtype="0" fill="hold" grpId="0" nodeType="withEffect">
+                                  <p:stCondLst>
+                                    <p:cond delay="0"/>
+                                  </p:stCondLst>
+                                  <p:childTnLst>
+                                    <p:set>
+                                      <p:cBhvr>
+                                        <p:cTn id="9" dur="1" fill="hold">
+                                          <p:stCondLst>
+                                            <p:cond delay="0"/>
+                                          </p:stCondLst>
+                                        </p:cTn>
+                                        <p:tgtEl>
+                                          <p:spTgt spid="6"/>
+                                        </p:tgtEl>
+                                        <p:attrNameLst>
+                                          <p:attrName>style.visibility</p:attrName>
+                                        </p:attrNameLst>
+                                      </p:cBhvr>
+                                      <p:to>
+                                        <p:strVal val="visible"/>
+                                      </p:to>
+                                    </p:set>
+                                    <p:animEffect transition="in" filter="fade">
+                                      <p:cBhvr>
+                                        <p:cTn id="10" dur="500"/>
+                                        <p:tgtEl>
+                                          <p:spTgt spid="6"/>
+                                        </p:tgtEl>
+                                      </p:cBhvr>
+                                    </p:animEffect>
+                                  </p:childTnLst>
+                                  <p:subTnLst>
+                                    <p:set>
+                                      <p:cBhvr override="childStyle">
+                                        <p:cTn dur="1" fill="hold" display="0" masterRel="nextClick" afterEffect="1"/>
+                                        <p:tgtEl>
+                                          <p:spTgt spid="6"/>
+                                        </p:tgtEl>
+                                        <p:attrNameLst>
+                                          <p:attrName>style.visibility</p:attrName>
+                                        </p:attrNameLst>
+                                      </p:cBhvr>
+                                      <p:to>
+                                        <p:strVal val="hidden"/>
+                                      </p:to>
+                                    </p:set>
+                                  </p:subTnLst>
+                                </p:cTn>
+                              </p:par>
+                            </p:childTnLst>
+                          </p:cTn>
+                        </p:par>
+                      </p:childTnLst>
+                    </p:cTn>
+                  </p:par>
+                  <p:par>
+                    <p:cTn id="11" fill="hold">
+                      <p:stCondLst>
+                        <p:cond delay="indefinite"/>
+                      </p:stCondLst>
+                      <p:childTnLst>
+                        <p:par>
+                          <p:cTn id="12" fill="hold">
+                            <p:stCondLst>
+                              <p:cond delay="0"/>
+                            </p:stCondLst>
+                            <p:childTnLst>
+                              <p:par>
+                                <p:cTn id="13" presetID="10" presetClass="entr" presetSubtype="0" fill="hold" grpId="0" nodeType="clickEffect">
+                                  <p:stCondLst>
+                                    <p:cond delay="0"/>
+                                  </p:stCondLst>
+                                  <p:childTnLst>
+                                    <p:set>
+                                      <p:cBhvr>
+                                        <p:cTn id="14" dur="1" fill="hold">
+                                          <p:stCondLst>
+                                            <p:cond delay="0"/>
+                                          </p:stCondLst>
+                                        </p:cTn>
+                                        <p:tgtEl>
+                                          <p:spTgt spid="10"/>
+                                        </p:tgtEl>
+                                        <p:attrNameLst>
+                                          <p:attrName>style.visibility</p:attrName>
+                                        </p:attrNameLst>
+                                      </p:cBhvr>
+                                      <p:to>
+                                        <p:strVal val="visible"/>
+                                      </p:to>
+                                    </p:set>
+                                    <p:animEffect transition="in" filter="fade">
+                                      <p:cBhvr>
+                                        <p:cTn id="15" dur="500"/>
+                                        <p:tgtEl>
+                                          <p:spTgt spid="10"/>
+                                        </p:tgtEl>
+                                      </p:cBhvr>
+                                    </p:animEffect>
+                                  </p:childTnLst>
+                                  <p:subTnLst>
+                                    <p:set>
+                                      <p:cBhvr override="childStyle">
+                                        <p:cTn dur="1" fill="hold" display="0" masterRel="nextClick" afterEffect="1"/>
+                                        <p:tgtEl>
+                                          <p:spTgt spid="10"/>
+                                        </p:tgtEl>
+                                        <p:attrNameLst>
+                                          <p:attrName>style.visibility</p:attrName>
+                                        </p:attrNameLst>
+                                      </p:cBhvr>
+                                      <p:to>
+                                        <p:strVal val="hidden"/>
+                                      </p:to>
+                                    </p:set>
+                                  </p:subTnLst>
+                                </p:cTn>
+                              </p:par>
+                              <p:par>
+                                <p:cTn id="16" presetID="10" presetClass="entr" presetSubtype="0" fill="hold" grpId="0" nodeType="withEffect">
+                                  <p:stCondLst>
+                                    <p:cond delay="0"/>
+                                  </p:stCondLst>
+                                  <p:childTnLst>
+                                    <p:set>
+                                      <p:cBhvr>
+                                        <p:cTn id="17" dur="1" fill="hold">
+                                          <p:stCondLst>
+                                            <p:cond delay="0"/>
+                                          </p:stCondLst>
+                                        </p:cTn>
+                                        <p:tgtEl>
+                                          <p:spTgt spid="11"/>
+                                        </p:tgtEl>
+                                        <p:attrNameLst>
+                                          <p:attrName>style.visibility</p:attrName>
+                                        </p:attrNameLst>
+                                      </p:cBhvr>
+                                      <p:to>
+                                        <p:strVal val="visible"/>
+                                      </p:to>
+                                    </p:set>
+                                    <p:animEffect transition="in" filter="fade">
+                                      <p:cBhvr>
+                                        <p:cTn id="18" dur="500"/>
+                                        <p:tgtEl>
+                                          <p:spTgt spid="11"/>
+                                        </p:tgtEl>
+                                      </p:cBhvr>
+                                    </p:animEffect>
+                                  </p:childTnLst>
+                                  <p:subTnLst>
+                                    <p:set>
+                                      <p:cBhvr override="childStyle">
+                                        <p:cTn dur="1" fill="hold" display="0" masterRel="nextClick" afterEffect="1"/>
+                                        <p:tgtEl>
+                                          <p:spTgt spid="11"/>
+                                        </p:tgtEl>
+                                        <p:attrNameLst>
+                                          <p:attrName>style.visibility</p:attrName>
+                                        </p:attrNameLst>
+                                      </p:cBhvr>
+                                      <p:to>
+                                        <p:strVal val="hidden"/>
+                                      </p:to>
+                                    </p:set>
+                                  </p:subTnLst>
+                                </p:cTn>
+                              </p:par>
+                            </p:childTnLst>
+                          </p:cTn>
+                        </p:par>
+                      </p:childTnLst>
+                    </p:cTn>
+                  </p:par>
+                  <p:par>
+                    <p:cTn id="19" fill="hold">
+                      <p:stCondLst>
+                        <p:cond delay="indefinite"/>
+                      </p:stCondLst>
+                      <p:childTnLst>
+                        <p:par>
+                          <p:cTn id="20" fill="hold">
+                            <p:stCondLst>
+                              <p:cond delay="0"/>
+                            </p:stCondLst>
+                            <p:childTnLst>
+                              <p:par>
+                                <p:cTn id="21" presetID="1" presetClass="entr" presetSubtype="0" fill="hold" grpId="0" nodeType="clickEffect">
+                                  <p:stCondLst>
+                                    <p:cond delay="0"/>
+                                  </p:stCondLst>
+                                  <p:childTnLst>
+                                    <p:set>
+                                      <p:cBhvr>
+                                        <p:cTn id="22" dur="1" fill="hold">
+                                          <p:stCondLst>
+                                            <p:cond delay="0"/>
+                                          </p:stCondLst>
+                                        </p:cTn>
+                                        <p:tgtEl>
+                                          <p:spTgt spid="12"/>
+                                        </p:tgtEl>
+                                        <p:attrNameLst>
+                                          <p:attrName>style.visibility</p:attrName>
+                                        </p:attrNameLst>
+                                      </p:cBhvr>
+                                      <p:to>
+                                        <p:strVal val="visible"/>
+                                      </p:to>
+                                    </p:set>
+                                  </p:childTnLst>
+                                </p:cTn>
+                              </p:par>
+                              <p:par>
+                                <p:cTn id="23" presetID="1" presetClass="entr" presetSubtype="0" fill="hold" grpId="0" nodeType="withEffect">
+                                  <p:stCondLst>
+                                    <p:cond delay="0"/>
+                                  </p:stCondLst>
+                                  <p:childTnLst>
+                                    <p:set>
+                                      <p:cBhvr>
+                                        <p:cTn id="24" dur="1" fill="hold">
+                                          <p:stCondLst>
+                                            <p:cond delay="0"/>
+                                          </p:stCondLst>
+                                        </p:cTn>
+                                        <p:tgtEl>
+                                          <p:spTgt spid="13"/>
+                                        </p:tgtEl>
+                                        <p:attrNameLst>
+                                          <p:attrName>style.visibility</p:attrName>
+                                        </p:attrNameLst>
+                                      </p:cBhvr>
+                                      <p:to>
+                                        <p:strVal val="visible"/>
+                                      </p:to>
+                                    </p:set>
+                                  </p:childTnLst>
+                                </p:cTn>
+                              </p:par>
+                              <p:par>
+                                <p:cTn id="25" presetID="1" presetClass="entr" presetSubtype="0" fill="hold" grpId="0" nodeType="withEffect">
+                                  <p:stCondLst>
+                                    <p:cond delay="0"/>
+                                  </p:stCondLst>
+                                  <p:childTnLst>
+                                    <p:set>
+                                      <p:cBhvr>
+                                        <p:cTn id="26" dur="1" fill="hold">
+                                          <p:stCondLst>
+                                            <p:cond delay="0"/>
+                                          </p:stCondLst>
+                                        </p:cTn>
+                                        <p:tgtEl>
+                                          <p:spTgt spid="14"/>
+                                        </p:tgtEl>
+                                        <p:attrNameLst>
+                                          <p:attrName>style.visibility</p:attrName>
+                                        </p:attrNameLst>
+                                      </p:cBhvr>
+                                      <p:to>
+                                        <p:strVal val="visible"/>
+                                      </p:to>
+                                    </p:set>
+                                  </p:childTnLst>
+                                </p:cTn>
+                              </p:par>
+                            </p:childTnLst>
+                          </p:cTn>
+                        </p:par>
+                      </p:childTnLst>
+                    </p:cTn>
+                  </p:par>
+                  <p:par>
+                    <p:cTn id="27" fill="hold">
+                      <p:stCondLst>
+                        <p:cond delay="indefinite"/>
+                      </p:stCondLst>
+                      <p:childTnLst>
+                        <p:par>
+                          <p:cTn id="28" fill="hold">
+                            <p:stCondLst>
+                              <p:cond delay="0"/>
+                            </p:stCondLst>
+                            <p:childTnLst>
+                              <p:par>
+                                <p:cTn id="29" presetID="1" presetClass="entr" presetSubtype="0" fill="hold" grpId="0" nodeType="clickEffect">
+                                  <p:stCondLst>
+                                    <p:cond delay="0"/>
+                                  </p:stCondLst>
+                                  <p:childTnLst>
+                                    <p:set>
+                                      <p:cBhvr>
+                                        <p:cTn id="30" dur="1" fill="hold">
+                                          <p:stCondLst>
+                                            <p:cond delay="0"/>
+                                          </p:stCondLst>
+                                        </p:cTn>
+                                        <p:tgtEl>
+                                          <p:spTgt spid="15"/>
+                                        </p:tgtEl>
+                                        <p:attrNameLst>
+                                          <p:attrName>style.visibility</p:attrName>
+                                        </p:attrNameLst>
+                                      </p:cBhvr>
+                                      <p:to>
+                                        <p:strVal val="visible"/>
+                                      </p:to>
+                                    </p:set>
+                                  </p:childTnLst>
+                                </p:cTn>
+                              </p:par>
+                              <p:par>
+                                <p:cTn id="31" presetID="1" presetClass="entr" presetSubtype="0" fill="hold" grpId="0" nodeType="withEffect">
+                                  <p:stCondLst>
+                                    <p:cond delay="0"/>
+                                  </p:stCondLst>
+                                  <p:childTnLst>
+                                    <p:set>
+                                      <p:cBhvr>
+                                        <p:cTn id="32" dur="1" fill="hold">
+                                          <p:stCondLst>
+                                            <p:cond delay="0"/>
+                                          </p:stCondLst>
+                                        </p:cTn>
+                                        <p:tgtEl>
+                                          <p:spTgt spid="16"/>
+                                        </p:tgtEl>
+                                        <p:attrNameLst>
+                                          <p:attrName>style.visibility</p:attrName>
+                                        </p:attrNameLst>
+                                      </p:cBhvr>
+                                      <p:to>
+                                        <p:strVal val="visible"/>
+                                      </p:to>
+                                    </p:set>
+                                  </p:childTnLst>
+                                </p:cTn>
+                              </p:par>
+                              <p:par>
+                                <p:cTn id="33" presetID="1" presetClass="entr" presetSubtype="0" fill="hold" grpId="0" nodeType="withEffect">
+                                  <p:stCondLst>
+                                    <p:cond delay="0"/>
+                                  </p:stCondLst>
+                                  <p:childTnLst>
+                                    <p:set>
+                                      <p:cBhvr>
+                                        <p:cTn id="34" dur="1" fill="hold">
+                                          <p:stCondLst>
+                                            <p:cond delay="0"/>
+                                          </p:stCondLst>
+                                        </p:cTn>
+                                        <p:tgtEl>
+                                          <p:spTgt spid="17"/>
+                                        </p:tgtEl>
+                                        <p:attrNameLst>
+                                          <p:attrName>style.visibility</p:attrName>
+                                        </p:attrNameLst>
+                                      </p:cBhvr>
+                                      <p:to>
+                                        <p:strVal val="visible"/>
+                                      </p:to>
+                                    </p:set>
+                                  </p:childTnLst>
+                                </p:cTn>
+                              </p:par>
+                              <p:par>
+                                <p:cTn id="35" presetID="1" presetClass="entr" presetSubtype="0" fill="hold" grpId="0" nodeType="withEffect">
+                                  <p:stCondLst>
+                                    <p:cond delay="0"/>
+                                  </p:stCondLst>
+                                  <p:childTnLst>
+                                    <p:set>
+                                      <p:cBhvr>
+                                        <p:cTn id="36" dur="1" fill="hold">
+                                          <p:stCondLst>
+                                            <p:cond delay="0"/>
+                                          </p:stCondLst>
+                                        </p:cTn>
+                                        <p:tgtEl>
+                                          <p:spTgt spid="18"/>
+                                        </p:tgtEl>
+                                        <p:attrNameLst>
+                                          <p:attrName>style.visibility</p:attrName>
+                                        </p:attrNameLst>
+                                      </p:cBhvr>
+                                      <p:to>
+                                        <p:strVal val="visible"/>
+                                      </p:to>
+                                    </p:set>
+                                  </p:childTnLst>
+                                </p:cTn>
+                              </p:par>
+                              <p:par>
+                                <p:cTn id="37" presetID="1" presetClass="entr" presetSubtype="0" fill="hold" grpId="0" nodeType="withEffect">
+                                  <p:stCondLst>
+                                    <p:cond delay="0"/>
+                                  </p:stCondLst>
+                                  <p:childTnLst>
+                                    <p:set>
+                                      <p:cBhvr>
+                                        <p:cTn id="38" dur="1" fill="hold">
+                                          <p:stCondLst>
+                                            <p:cond delay="0"/>
+                                          </p:stCondLst>
+                                        </p:cTn>
+                                        <p:tgtEl>
+                                          <p:spTgt spid="19"/>
+                                        </p:tgtEl>
+                                        <p:attrNameLst>
+                                          <p:attrName>style.visibility</p:attrName>
+                                        </p:attrNameLst>
+                                      </p:cBhvr>
+                                      <p:to>
+                                        <p:strVal val="visible"/>
+                                      </p:to>
+                                    </p:set>
+                                  </p:childTnLst>
+                                </p:cTn>
+                              </p:par>
+                              <p:par>
+                                <p:cTn id="39" presetID="1" presetClass="entr" presetSubtype="0" fill="hold" grpId="0" nodeType="withEffect">
+                                  <p:stCondLst>
+                                    <p:cond delay="0"/>
+                                  </p:stCondLst>
+                                  <p:childTnLst>
+                                    <p:set>
+                                      <p:cBhvr>
+                                        <p:cTn id="40" dur="1" fill="hold">
+                                          <p:stCondLst>
+                                            <p:cond delay="0"/>
+                                          </p:stCondLst>
+                                        </p:cTn>
+                                        <p:tgtEl>
+                                          <p:spTgt spid="20"/>
+                                        </p:tgtEl>
+                                        <p:attrNameLst>
+                                          <p:attrName>style.visibility</p:attrName>
+                                        </p:attrNameLst>
+                                      </p:cBhvr>
+                                      <p:to>
+                                        <p:strVal val="visible"/>
+                                      </p:to>
+                                    </p:set>
+                                  </p:childTnLst>
+                                </p:cTn>
+                              </p:par>
+                              <p:par>
+                                <p:cTn id="41" presetID="1" presetClass="entr" presetSubtype="0" fill="hold" grpId="0" nodeType="withEffect">
+                                  <p:stCondLst>
+                                    <p:cond delay="0"/>
+                                  </p:stCondLst>
+                                  <p:childTnLst>
+                                    <p:set>
+                                      <p:cBhvr>
+                                        <p:cTn id="42" dur="1" fill="hold">
+                                          <p:stCondLst>
+                                            <p:cond delay="0"/>
+                                          </p:stCondLst>
+                                        </p:cTn>
+                                        <p:tgtEl>
+                                          <p:spTgt spid="21"/>
+                                        </p:tgtEl>
+                                        <p:attrNameLst>
+                                          <p:attrName>style.visibility</p:attrName>
+                                        </p:attrNameLst>
+                                      </p:cBhvr>
+                                      <p:to>
+                                        <p:strVal val="visible"/>
+                                      </p:to>
+                                    </p:set>
+                                  </p:childTnLst>
+                                </p:cTn>
+                              </p:par>
+                            </p:childTnLst>
+                          </p:cTn>
+                        </p:par>
+                      </p:childTnLst>
+                    </p:cTn>
+                  </p:par>
+                </p:childTnLst>
+              </p:cTn>
+              <p:prevCondLst>
+                <p:cond evt="onPrev" delay="0">
+                  <p:tgtEl>
+                    <p:sldTgt/>
+                  </p:tgtEl>
+                </p:cond>
+              </p:prevCondLst>
+              <p:nextCondLst>
+                <p:cond evt="onNext" delay="0">
+                  <p:tgtEl>
+                    <p:sldTgt/>
+                  </p:tgtEl>
+                </p:cond>
+              </p:nextCondLst>
+            </p:seq>
+          </p:childTnLst>
+        </p:cTn>
+      </p:par>
+    </p:tnLst>
+    <p:bldLst>
+      <p:bldP spid="8" grpId="0" animBg="1"/>
+      <p:bldP spid="6" grpId="0"/>
+      <p:bldP spid="10" grpId="0" animBg="1"/>
+      <p:bldP spid="11" grpId="0"/>
+      <p:bldP spid="12" grpId="0" animBg="1"/>
+      <p:bldP spid="13" grpId="0"/>
+      <p:bldP spid="14" grpId="0" animBg="1"/>
+      <p:bldP spid="15" grpId="0" animBg="1"/>
+      <p:bldP spid="16" grpId="0" animBg="1"/>
+      <p:bldP spid="17" grpId="0" animBg="1"/>
+      <p:bldP spid="18" grpId="0" animBg="1"/>
+      <p:bldP spid="19" grpId="0" animBg="1"/>
+      <p:bldP spid="20" grpId="0" animBg="1"/>
+      <p:bldP spid="21" grpId="0"/>
+    </p:bldLst>
+  </p:timing>
+</p:sld>
+</file>
+
+<file path=ppt/slides/slide15.xml><?xml version="1.0" encoding="utf-8"?>
+<p:sld xmlns:a="http://schemas.openxmlformats.org/drawingml/2006/main" xmlns:r="http://schemas.openxmlformats.org/officeDocument/2006/relationships" xmlns:p="http://schemas.openxmlformats.org/presentationml/2006/main">
+  <p:cSld>
+    <p:spTree>
+      <p:nvGrpSpPr>
+        <p:cNvPr id="1" name=""/>
+        <p:cNvGrpSpPr/>
+        <p:nvPr/>
+      </p:nvGrpSpPr>
+      <p:grpSpPr>
+        <a:xfrm>
+          <a:off x="0" y="0"/>
+          <a:ext cx="0" cy="0"/>
+          <a:chOff x="0" y="0"/>
+          <a:chExt cx="0" cy="0"/>
+        </a:xfrm>
+      </p:grpSpPr>
+      <p:sp>
+        <p:nvSpPr>
           <p:cNvPr id="14338" name="Rectangle 2">
             <a:extLst>
               <a:ext uri="{FF2B5EF4-FFF2-40B4-BE49-F238E27FC236}">
@@ -8882,7 +10267,7 @@
 </p:sld>
 </file>
 
-<file path=ppt/slides/slide15.xml><?xml version="1.0" encoding="utf-8"?>
+<file path=ppt/slides/slide16.xml><?xml version="1.0" encoding="utf-8"?>
 <p:sld xmlns:a="http://schemas.openxmlformats.org/drawingml/2006/main" xmlns:r="http://schemas.openxmlformats.org/officeDocument/2006/relationships" xmlns:p="http://schemas.openxmlformats.org/presentationml/2006/main">
   <p:cSld>
     <p:spTree>
@@ -9235,7 +10620,7 @@
             </a:extLst>
           </p:cNvPr>
           <p:cNvGraphicFramePr>
-            <a:graphicFrameLocks noChangeAspect="1"/>
+            <a:graphicFrameLocks noGrp="1" noChangeAspect="1"/>
           </p:cNvGraphicFramePr>
           <p:nvPr>
             <p:ph sz="half" idx="2"/>
@@ -9254,7 +10639,7 @@
           <a:graphicData uri="http://schemas.openxmlformats.org/presentationml/2006/ole">
             <mc:AlternateContent xmlns:mc="http://schemas.openxmlformats.org/markup-compatibility/2006">
               <mc:Choice xmlns:v="urn:schemas-microsoft-com:vml" Requires="v">
-                <p:oleObj spid="_x0000_s10260" name="Equation" r:id="rId3" imgW="1143000" imgH="469900" progId="Equation.3">
+                <p:oleObj spid="_x0000_s10269" name="Equation" r:id="rId3" imgW="1143000" imgH="469900" progId="Equation.3">
                   <p:embed/>
                 </p:oleObj>
               </mc:Choice>
@@ -9345,204 +10730,6 @@
 </p:sld>
 </file>
 
-<file path=ppt/slides/slide16.xml><?xml version="1.0" encoding="utf-8"?>
-<p:sld xmlns:a="http://schemas.openxmlformats.org/drawingml/2006/main" xmlns:r="http://schemas.openxmlformats.org/officeDocument/2006/relationships" xmlns:p="http://schemas.openxmlformats.org/presentationml/2006/main">
-  <p:cSld>
-    <p:spTree>
-      <p:nvGrpSpPr>
-        <p:cNvPr id="1" name=""/>
-        <p:cNvGrpSpPr/>
-        <p:nvPr/>
-      </p:nvGrpSpPr>
-      <p:grpSpPr>
-        <a:xfrm>
-          <a:off x="0" y="0"/>
-          <a:ext cx="0" cy="0"/>
-          <a:chOff x="0" y="0"/>
-          <a:chExt cx="0" cy="0"/>
-        </a:xfrm>
-      </p:grpSpPr>
-      <p:sp>
-        <p:nvSpPr>
-          <p:cNvPr id="17410" name="Rectangle 2">
-            <a:extLst>
-              <a:ext uri="{FF2B5EF4-FFF2-40B4-BE49-F238E27FC236}">
-                <a16:creationId xmlns:a16="http://schemas.microsoft.com/office/drawing/2014/main" id="{4CD5EA59-8E72-489C-9305-1D61D928578F}"/>
-              </a:ext>
-            </a:extLst>
-          </p:cNvPr>
-          <p:cNvSpPr>
-            <a:spLocks noGrp="1" noChangeArrowheads="1"/>
-          </p:cNvSpPr>
-          <p:nvPr>
-            <p:ph type="title"/>
-          </p:nvPr>
-        </p:nvSpPr>
-        <p:spPr/>
-        <p:txBody>
-          <a:bodyPr/>
-          <a:lstStyle/>
-          <a:p>
-            <a:pPr eaLnBrk="1" hangingPunct="1"/>
-            <a:r>
-              <a:rPr lang="en-US" altLang="en-US" dirty="0"/>
-              <a:t>Back to Gender and Party Identification</a:t>
-            </a:r>
-          </a:p>
-        </p:txBody>
-      </p:sp>
-      <p:sp>
-        <p:nvSpPr>
-          <p:cNvPr id="17411" name="Rectangle 3">
-            <a:extLst>
-              <a:ext uri="{FF2B5EF4-FFF2-40B4-BE49-F238E27FC236}">
-                <a16:creationId xmlns:a16="http://schemas.microsoft.com/office/drawing/2014/main" id="{6BF5FA45-DCD8-4C99-863B-E7CF7A16B958}"/>
-              </a:ext>
-            </a:extLst>
-          </p:cNvPr>
-          <p:cNvSpPr>
-            <a:spLocks noGrp="1" noChangeArrowheads="1"/>
-          </p:cNvSpPr>
-          <p:nvPr>
-            <p:ph type="body" idx="1"/>
-          </p:nvPr>
-        </p:nvSpPr>
-        <p:spPr/>
-        <p:txBody>
-          <a:bodyPr/>
-          <a:lstStyle/>
-          <a:p>
-            <a:pPr eaLnBrk="1" hangingPunct="1"/>
-            <a:r>
-              <a:rPr lang="el-GR" altLang="en-US" sz="2800" dirty="0">
-                <a:cs typeface="Times New Roman" panose="02020603050405020304" pitchFamily="18" charset="0"/>
-              </a:rPr>
-              <a:t>χ</a:t>
-            </a:r>
-            <a:r>
-              <a:rPr lang="en-US" altLang="en-US" sz="2800" baseline="30000" dirty="0">
-                <a:cs typeface="Times New Roman" panose="02020603050405020304" pitchFamily="18" charset="0"/>
-              </a:rPr>
-              <a:t>2</a:t>
-            </a:r>
-            <a:r>
-              <a:rPr lang="en-US" altLang="en-US" sz="2800" dirty="0">
-                <a:cs typeface="Times New Roman" panose="02020603050405020304" pitchFamily="18" charset="0"/>
-              </a:rPr>
-              <a:t> = 23.3</a:t>
-            </a:r>
-          </a:p>
-          <a:p>
-            <a:r>
-              <a:rPr lang="en-US" altLang="en-US" sz="2800" dirty="0">
-                <a:cs typeface="Times New Roman" panose="02020603050405020304" pitchFamily="18" charset="0"/>
-              </a:rPr>
-              <a:t>From </a:t>
-            </a:r>
-            <a:r>
-              <a:rPr lang="en-US" altLang="en-US" sz="2800" dirty="0">
-                <a:cs typeface="Times New Roman" panose="02020603050405020304" pitchFamily="18" charset="0"/>
-                <a:hlinkClick r:id="rId2"/>
-              </a:rPr>
-              <a:t>Chi-Square Table</a:t>
-            </a:r>
-            <a:r>
-              <a:rPr lang="en-US" altLang="en-US" sz="2800" dirty="0">
-                <a:cs typeface="Times New Roman" panose="02020603050405020304" pitchFamily="18" charset="0"/>
-              </a:rPr>
-              <a:t>: </a:t>
-            </a:r>
-          </a:p>
-          <a:p>
-            <a:r>
-              <a:rPr lang="el-GR" altLang="en-US" sz="2400" dirty="0">
-                <a:cs typeface="Times New Roman" panose="02020603050405020304" pitchFamily="18" charset="0"/>
-              </a:rPr>
-              <a:t>χ</a:t>
-            </a:r>
-            <a:r>
-              <a:rPr lang="en-US" altLang="en-US" sz="2400" baseline="30000" dirty="0">
-                <a:cs typeface="Times New Roman" panose="02020603050405020304" pitchFamily="18" charset="0"/>
-              </a:rPr>
-              <a:t>2</a:t>
-            </a:r>
-            <a:r>
-              <a:rPr lang="en-US" altLang="en-US" sz="2400" dirty="0">
-                <a:cs typeface="Times New Roman" panose="02020603050405020304" pitchFamily="18" charset="0"/>
-              </a:rPr>
-              <a:t> with </a:t>
-            </a:r>
-            <a:r>
-              <a:rPr lang="en-US" altLang="en-US" sz="2400" i="1" dirty="0">
-                <a:cs typeface="Times New Roman" panose="02020603050405020304" pitchFamily="18" charset="0"/>
-              </a:rPr>
-              <a:t>df</a:t>
-            </a:r>
-            <a:r>
-              <a:rPr lang="en-US" altLang="en-US" sz="2400" dirty="0">
-                <a:cs typeface="Times New Roman" panose="02020603050405020304" pitchFamily="18" charset="0"/>
-              </a:rPr>
-              <a:t> = 2, </a:t>
-            </a:r>
-            <a:r>
-              <a:rPr lang="el-GR" altLang="en-US" sz="2400" dirty="0">
-                <a:cs typeface="Times New Roman" panose="02020603050405020304" pitchFamily="18" charset="0"/>
-              </a:rPr>
-              <a:t>α</a:t>
-            </a:r>
-            <a:r>
-              <a:rPr lang="en-US" altLang="en-US" sz="2400" dirty="0">
-                <a:cs typeface="Times New Roman" panose="02020603050405020304" pitchFamily="18" charset="0"/>
-              </a:rPr>
-              <a:t> = 0.05, = 5.99</a:t>
-            </a:r>
-          </a:p>
-          <a:p>
-            <a:pPr lvl="1" eaLnBrk="1" hangingPunct="1"/>
-            <a:r>
-              <a:rPr lang="en-US" altLang="en-US" sz="2400" dirty="0">
-                <a:cs typeface="Times New Roman" panose="02020603050405020304" pitchFamily="18" charset="0"/>
-              </a:rPr>
-              <a:t>    23.3 &gt; 5.99, so reject </a:t>
-            </a:r>
-            <a:r>
-              <a:rPr lang="en-US" altLang="en-US" sz="2400" i="1" dirty="0">
-                <a:cs typeface="Times New Roman" panose="02020603050405020304" pitchFamily="18" charset="0"/>
-              </a:rPr>
-              <a:t>H</a:t>
-            </a:r>
-            <a:r>
-              <a:rPr lang="en-US" altLang="en-US" sz="2400" i="1" baseline="-25000" dirty="0">
-                <a:cs typeface="Times New Roman" panose="02020603050405020304" pitchFamily="18" charset="0"/>
-              </a:rPr>
-              <a:t>0</a:t>
-            </a:r>
-            <a:endParaRPr lang="en-US" altLang="en-US" sz="2400" i="1" dirty="0">
-              <a:cs typeface="Times New Roman" panose="02020603050405020304" pitchFamily="18" charset="0"/>
-            </a:endParaRPr>
-          </a:p>
-          <a:p>
-            <a:pPr eaLnBrk="1" hangingPunct="1"/>
-            <a:r>
-              <a:rPr lang="en-US" altLang="en-US" sz="2800" dirty="0">
-                <a:cs typeface="Times New Roman" panose="02020603050405020304" pitchFamily="18" charset="0"/>
-              </a:rPr>
-              <a:t>It is very likely that gender and political party identification are associated in the U.S. adult population.</a:t>
-            </a:r>
-            <a:endParaRPr lang="en-US" altLang="en-US" sz="2800" baseline="30000" dirty="0">
-              <a:cs typeface="Times New Roman" panose="02020603050405020304" pitchFamily="18" charset="0"/>
-            </a:endParaRPr>
-          </a:p>
-        </p:txBody>
-      </p:sp>
-    </p:spTree>
-  </p:cSld>
-  <p:clrMapOvr>
-    <a:masterClrMapping/>
-  </p:clrMapOvr>
-</p:sld>
-</file>
-
 <file path=ppt/slides/slide17.xml><?xml version="1.0" encoding="utf-8"?>
 <p:sld xmlns:a="http://schemas.openxmlformats.org/drawingml/2006/main" xmlns:r="http://schemas.openxmlformats.org/officeDocument/2006/relationships" xmlns:p="http://schemas.openxmlformats.org/presentationml/2006/main">
   <p:cSld>
@@ -9562,10 +10749,10 @@
       </p:grpSpPr>
       <p:sp>
         <p:nvSpPr>
-          <p:cNvPr id="28674" name="Rectangle 2">
+          <p:cNvPr id="17410" name="Rectangle 2">
             <a:extLst>
               <a:ext uri="{FF2B5EF4-FFF2-40B4-BE49-F238E27FC236}">
-                <a16:creationId xmlns:a16="http://schemas.microsoft.com/office/drawing/2014/main" id="{7FD29F72-2FE8-4FA9-823B-14675FC20671}"/>
+                <a16:creationId xmlns:a16="http://schemas.microsoft.com/office/drawing/2014/main" id="{4CD5EA59-8E72-489C-9305-1D61D928578F}"/>
               </a:ext>
             </a:extLst>
           </p:cNvPr>
@@ -9576,31 +10763,25 @@
             <p:ph type="title"/>
           </p:nvPr>
         </p:nvSpPr>
-        <p:spPr>
-          <a:xfrm>
-            <a:off x="-31865" y="2857500"/>
-            <a:ext cx="3052156" cy="1143000"/>
-          </a:xfrm>
-        </p:spPr>
-        <p:txBody>
-          <a:bodyPr>
-            <a:noAutofit/>
-          </a:bodyPr>
+        <p:spPr/>
+        <p:txBody>
+          <a:bodyPr/>
           <a:lstStyle/>
           <a:p>
-            <a:r>
-              <a:rPr lang="en-US" altLang="en-US" sz="4000" dirty="0"/>
-              <a:t>The Odds Ratio</a:t>
-            </a:r>
-          </a:p>
-        </p:txBody>
-      </p:sp>
-      <p:sp>
-        <p:nvSpPr>
-          <p:cNvPr id="28675" name="Rectangle 3">
+            <a:pPr eaLnBrk="1" hangingPunct="1"/>
+            <a:r>
+              <a:rPr lang="en-US" altLang="en-US" dirty="0"/>
+              <a:t>Back to Gender and Party Identification</a:t>
+            </a:r>
+          </a:p>
+        </p:txBody>
+      </p:sp>
+      <p:sp>
+        <p:nvSpPr>
+          <p:cNvPr id="17411" name="Rectangle 3">
             <a:extLst>
               <a:ext uri="{FF2B5EF4-FFF2-40B4-BE49-F238E27FC236}">
-                <a16:creationId xmlns:a16="http://schemas.microsoft.com/office/drawing/2014/main" id="{797B5F76-422C-4B9C-BCFA-5F5C3C46A1C9}"/>
+                <a16:creationId xmlns:a16="http://schemas.microsoft.com/office/drawing/2014/main" id="{6BF5FA45-DCD8-4C99-863B-E7CF7A16B958}"/>
               </a:ext>
             </a:extLst>
           </p:cNvPr>
@@ -9608,81 +10789,134 @@
             <a:spLocks noGrp="1" noChangeArrowheads="1"/>
           </p:cNvSpPr>
           <p:nvPr>
-            <p:ph type="body" sz="half" idx="1"/>
-          </p:nvPr>
-        </p:nvSpPr>
-        <p:spPr>
-          <a:xfrm>
-            <a:off x="3883430" y="748146"/>
-            <a:ext cx="7924800" cy="5713614"/>
-          </a:xfrm>
-        </p:spPr>
-        <p:txBody>
-          <a:bodyPr>
-            <a:normAutofit lnSpcReduction="10000"/>
-          </a:bodyPr>
+            <p:ph type="body" idx="1"/>
+          </p:nvPr>
+        </p:nvSpPr>
+        <p:spPr/>
+        <p:txBody>
+          <a:bodyPr/>
           <a:lstStyle/>
           <a:p>
-            <a:r>
-              <a:rPr lang="en-US" altLang="en-US" sz="2800" dirty="0"/>
-              <a:t>Another way to interpret nominal variables is by the use of odds and odds ratios.</a:t>
-            </a:r>
-          </a:p>
-          <a:p>
-            <a:r>
-              <a:rPr lang="en-US" altLang="en-US" sz="2800" dirty="0"/>
-              <a:t>The odds of an event (binomial, 1-0 outcome) are</a:t>
-            </a:r>
-          </a:p>
-          <a:p>
-            <a:r>
-              <a:rPr lang="en-US" altLang="en-US" sz="2800" dirty="0"/>
-              <a:t>Odds = P(a)/(1-P(a)), where P(a) is the probability of observing a 1, so sum(1's)/n</a:t>
-            </a:r>
-          </a:p>
-          <a:p>
-            <a:r>
-              <a:rPr lang="en-US" altLang="en-US" sz="2800" dirty="0"/>
-              <a:t>For example, in the TX PUMS data the probability of being employed for non high school graduates was:</a:t>
-            </a:r>
-          </a:p>
-          <a:p>
-            <a:pPr marL="502920" lvl="1" indent="0">
-              <a:buNone/>
-            </a:pPr>
-            <a:r>
-              <a:rPr lang="en-US" altLang="en-US" sz="2600" dirty="0"/>
-              <a:t>33160/34734 = 0.9547</a:t>
-            </a:r>
-          </a:p>
-          <a:p>
-            <a:r>
-              <a:rPr lang="en-US" altLang="en-US" sz="2800" dirty="0"/>
-              <a:t>The odds of being employed for these folks were:</a:t>
-            </a:r>
-          </a:p>
-          <a:p>
-            <a:pPr marL="502920" lvl="1" indent="0">
-              <a:buNone/>
-            </a:pPr>
-            <a:r>
-              <a:rPr lang="en-US" altLang="en-US" sz="2600" dirty="0"/>
-              <a:t>0.9547/(1-0.9547) = 21.08</a:t>
-            </a:r>
-          </a:p>
-          <a:p>
-            <a:r>
-              <a:rPr lang="en-US" altLang="en-US" sz="2800" dirty="0"/>
-              <a:t>We would say they were 21 times more likely to be employed than unemployed</a:t>
-            </a:r>
-          </a:p>
-          <a:p>
-            <a:pPr eaLnBrk="1" hangingPunct="1">
-              <a:lnSpc>
-                <a:spcPct val="90000"/>
-              </a:lnSpc>
-            </a:pPr>
-            <a:endParaRPr lang="en-US" altLang="en-US" sz="2800" dirty="0"/>
+            <a:pPr eaLnBrk="1" hangingPunct="1"/>
+            <a:r>
+              <a:rPr lang="el-GR" altLang="en-US" sz="2800" dirty="0">
+                <a:cs typeface="Times New Roman" panose="02020603050405020304" pitchFamily="18" charset="0"/>
+              </a:rPr>
+              <a:t>χ</a:t>
+            </a:r>
+            <a:r>
+              <a:rPr lang="en-US" altLang="en-US" sz="2800" baseline="30000" dirty="0">
+                <a:cs typeface="Times New Roman" panose="02020603050405020304" pitchFamily="18" charset="0"/>
+              </a:rPr>
+              <a:t>2</a:t>
+            </a:r>
+            <a:r>
+              <a:rPr lang="en-US" altLang="en-US" sz="2800" dirty="0">
+                <a:cs typeface="Times New Roman" panose="02020603050405020304" pitchFamily="18" charset="0"/>
+              </a:rPr>
+              <a:t> = 23.3</a:t>
+            </a:r>
+          </a:p>
+          <a:p>
+            <a:r>
+              <a:rPr lang="en-US" altLang="en-US" sz="2800" dirty="0">
+                <a:cs typeface="Times New Roman" panose="02020603050405020304" pitchFamily="18" charset="0"/>
+              </a:rPr>
+              <a:t>From </a:t>
+            </a:r>
+            <a:r>
+              <a:rPr lang="en-US" altLang="en-US" sz="2800" dirty="0">
+                <a:cs typeface="Times New Roman" panose="02020603050405020304" pitchFamily="18" charset="0"/>
+                <a:hlinkClick r:id="rId2"/>
+              </a:rPr>
+              <a:t>Chi-Square Table</a:t>
+            </a:r>
+            <a:r>
+              <a:rPr lang="en-US" altLang="en-US" sz="2800" dirty="0">
+                <a:cs typeface="Times New Roman" panose="02020603050405020304" pitchFamily="18" charset="0"/>
+              </a:rPr>
+              <a:t>: </a:t>
+            </a:r>
+          </a:p>
+          <a:p>
+            <a:r>
+              <a:rPr lang="el-GR" altLang="en-US" sz="2400" dirty="0">
+                <a:cs typeface="Times New Roman" panose="02020603050405020304" pitchFamily="18" charset="0"/>
+              </a:rPr>
+              <a:t>χ</a:t>
+            </a:r>
+            <a:r>
+              <a:rPr lang="en-US" altLang="en-US" sz="2400" baseline="30000" dirty="0">
+                <a:cs typeface="Times New Roman" panose="02020603050405020304" pitchFamily="18" charset="0"/>
+              </a:rPr>
+              <a:t>2</a:t>
+            </a:r>
+            <a:r>
+              <a:rPr lang="en-US" altLang="en-US" sz="2400" dirty="0">
+                <a:cs typeface="Times New Roman" panose="02020603050405020304" pitchFamily="18" charset="0"/>
+              </a:rPr>
+              <a:t> with </a:t>
+            </a:r>
+            <a:r>
+              <a:rPr lang="en-US" altLang="en-US" sz="2400" i="1" dirty="0">
+                <a:cs typeface="Times New Roman" panose="02020603050405020304" pitchFamily="18" charset="0"/>
+              </a:rPr>
+              <a:t>df</a:t>
+            </a:r>
+            <a:r>
+              <a:rPr lang="en-US" altLang="en-US" sz="2400" dirty="0">
+                <a:cs typeface="Times New Roman" panose="02020603050405020304" pitchFamily="18" charset="0"/>
+              </a:rPr>
+              <a:t> = 2, </a:t>
+            </a:r>
+            <a:r>
+              <a:rPr lang="el-GR" altLang="en-US" sz="2400" dirty="0">
+                <a:cs typeface="Times New Roman" panose="02020603050405020304" pitchFamily="18" charset="0"/>
+              </a:rPr>
+              <a:t>α</a:t>
+            </a:r>
+            <a:r>
+              <a:rPr lang="en-US" altLang="en-US" sz="2400" dirty="0">
+                <a:cs typeface="Times New Roman" panose="02020603050405020304" pitchFamily="18" charset="0"/>
+              </a:rPr>
+              <a:t> = 0.05, = 5.99</a:t>
+            </a:r>
+          </a:p>
+          <a:p>
+            <a:pPr lvl="1" eaLnBrk="1" hangingPunct="1"/>
+            <a:r>
+              <a:rPr lang="en-US" altLang="en-US" sz="2400" dirty="0">
+                <a:cs typeface="Times New Roman" panose="02020603050405020304" pitchFamily="18" charset="0"/>
+              </a:rPr>
+              <a:t>    23.3 &gt; 5.99, so reject </a:t>
+            </a:r>
+            <a:r>
+              <a:rPr lang="en-US" altLang="en-US" sz="2400" i="1" dirty="0">
+                <a:cs typeface="Times New Roman" panose="02020603050405020304" pitchFamily="18" charset="0"/>
+              </a:rPr>
+              <a:t>H</a:t>
+            </a:r>
+            <a:r>
+              <a:rPr lang="en-US" altLang="en-US" sz="2400" i="1" baseline="-25000" dirty="0">
+                <a:cs typeface="Times New Roman" panose="02020603050405020304" pitchFamily="18" charset="0"/>
+              </a:rPr>
+              <a:t>0</a:t>
+            </a:r>
+            <a:endParaRPr lang="en-US" altLang="en-US" sz="2400" i="1" dirty="0">
+              <a:cs typeface="Times New Roman" panose="02020603050405020304" pitchFamily="18" charset="0"/>
+            </a:endParaRPr>
+          </a:p>
+          <a:p>
+            <a:pPr eaLnBrk="1" hangingPunct="1"/>
+            <a:r>
+              <a:rPr lang="en-US" altLang="en-US" sz="2800" dirty="0">
+                <a:cs typeface="Times New Roman" panose="02020603050405020304" pitchFamily="18" charset="0"/>
+              </a:rPr>
+              <a:t>It is very likely that gender and political party identification are associated in the U.S. adult population.</a:t>
+            </a:r>
+            <a:endParaRPr lang="en-US" altLang="en-US" sz="2800" baseline="30000" dirty="0">
+              <a:cs typeface="Times New Roman" panose="02020603050405020304" pitchFamily="18" charset="0"/>
+            </a:endParaRPr>
           </a:p>
         </p:txBody>
       </p:sp>
@@ -9765,18 +10999,36 @@
         <p:spPr>
           <a:xfrm>
             <a:off x="3883430" y="748146"/>
-            <a:ext cx="7924800" cy="5370021"/>
+            <a:ext cx="7924800" cy="5713614"/>
           </a:xfrm>
         </p:spPr>
         <p:txBody>
           <a:bodyPr>
-            <a:normAutofit/>
+            <a:normAutofit lnSpcReduction="10000"/>
           </a:bodyPr>
           <a:lstStyle/>
           <a:p>
             <a:r>
               <a:rPr lang="en-US" altLang="en-US" sz="2800" dirty="0"/>
-              <a:t>Odds of being employed for non HS grad:</a:t>
+              <a:t>Another way to interpret nominal variables is by the use of odds and odds ratios.</a:t>
+            </a:r>
+          </a:p>
+          <a:p>
+            <a:r>
+              <a:rPr lang="en-US" altLang="en-US" sz="2800" dirty="0"/>
+              <a:t>The odds of an event (binomial, 1-0 outcome) are</a:t>
+            </a:r>
+          </a:p>
+          <a:p>
+            <a:r>
+              <a:rPr lang="en-US" altLang="en-US" sz="2800" dirty="0"/>
+              <a:t>Odds = P(a)/(1-P(a)), where P(a) is the probability of observing a 1, so sum(1's)/n</a:t>
+            </a:r>
+          </a:p>
+          <a:p>
+            <a:r>
+              <a:rPr lang="en-US" altLang="en-US" sz="2800" dirty="0"/>
+              <a:t>For example, in the TX PUMS data the probability of being employed for non high school graduates was:</a:t>
             </a:r>
           </a:p>
           <a:p>
@@ -9785,13 +11037,13 @@
             </a:pPr>
             <a:r>
               <a:rPr lang="en-US" altLang="en-US" sz="2600" dirty="0"/>
-              <a:t>0.9547/(1-0.9547) = 21.08</a:t>
+              <a:t>33160/34734 = 0.9547</a:t>
             </a:r>
           </a:p>
           <a:p>
             <a:r>
               <a:rPr lang="en-US" altLang="en-US" sz="2800" dirty="0"/>
-              <a:t>Odds of being employed for a HS grad+:</a:t>
+              <a:t>The odds of being employed for these folks were:</a:t>
             </a:r>
           </a:p>
           <a:p>
@@ -9800,48 +11052,26 @@
             </a:pPr>
             <a:r>
               <a:rPr lang="en-US" altLang="en-US" sz="2600" dirty="0"/>
-              <a:t>0.973/(1-.973) = 36.04</a:t>
+              <a:t>0.9547/(1-0.9547) = 21.08</a:t>
             </a:r>
           </a:p>
           <a:p>
             <a:r>
               <a:rPr lang="en-US" altLang="en-US" sz="2800" dirty="0"/>
-              <a:t>Odds ratio:</a:t>
-            </a:r>
-          </a:p>
-          <a:p>
-            <a:pPr lvl="1"/>
-            <a:r>
-              <a:rPr lang="en-US" altLang="en-US" sz="2600" dirty="0"/>
-              <a:t>36.04/21.08 = 1.71, or </a:t>
-            </a:r>
-          </a:p>
-          <a:p>
-            <a:pPr lvl="1"/>
-            <a:r>
-              <a:rPr lang="en-US" altLang="en-US" sz="2600" dirty="0"/>
-              <a:t>Those with a HS education or more were</a:t>
-            </a:r>
-          </a:p>
-          <a:p>
-            <a:pPr lvl="1"/>
-            <a:r>
-              <a:rPr lang="en-US" altLang="en-US" sz="2600" dirty="0"/>
-              <a:t>1.71 times more likely to be employed that those without a HS </a:t>
-            </a:r>
-            <a:r>
-              <a:rPr lang="en-US" altLang="en-US" sz="2800" dirty="0"/>
-              <a:t>education.</a:t>
-            </a:r>
+              <a:t>We would say they were 21 times more likely to be employed than unemployed</a:t>
+            </a:r>
+          </a:p>
+          <a:p>
+            <a:pPr eaLnBrk="1" hangingPunct="1">
+              <a:lnSpc>
+                <a:spcPct val="90000"/>
+              </a:lnSpc>
+            </a:pPr>
+            <a:endParaRPr lang="en-US" altLang="en-US" sz="2800" dirty="0"/>
           </a:p>
         </p:txBody>
       </p:sp>
     </p:spTree>
-    <p:extLst>
-      <p:ext uri="{BB962C8B-B14F-4D97-AF65-F5344CB8AC3E}">
-        <p14:creationId xmlns:p14="http://schemas.microsoft.com/office/powerpoint/2010/main" val="1455987985"/>
-      </p:ext>
-    </p:extLst>
   </p:cSld>
   <p:clrMapOvr>
     <a:masterClrMapping/>
@@ -9896,14 +11126,7 @@
           <a:p>
             <a:r>
               <a:rPr lang="en-US" altLang="en-US" sz="4000" dirty="0"/>
-              <a:t>The Odds Ratio: </a:t>
-            </a:r>
-            <a:br>
-              <a:rPr lang="en-US" altLang="en-US" sz="4000" dirty="0"/>
-            </a:br>
-            <a:r>
-              <a:rPr lang="en-US" altLang="en-US" sz="4000" dirty="0"/>
-              <a:t>The 2x2 Case</a:t>
+              <a:t>The Odds Ratio</a:t>
             </a:r>
           </a:p>
         </p:txBody>
@@ -9926,6 +11149,289 @@
         </p:nvSpPr>
         <p:spPr>
           <a:xfrm>
+            <a:off x="3883430" y="748146"/>
+            <a:ext cx="7924800" cy="5370021"/>
+          </a:xfrm>
+        </p:spPr>
+        <p:txBody>
+          <a:bodyPr>
+            <a:normAutofit/>
+          </a:bodyPr>
+          <a:lstStyle/>
+          <a:p>
+            <a:r>
+              <a:rPr lang="en-US" altLang="en-US" sz="2800" dirty="0"/>
+              <a:t>Odds of being employed for non HS grad:</a:t>
+            </a:r>
+          </a:p>
+          <a:p>
+            <a:pPr marL="502920" lvl="1" indent="0">
+              <a:buNone/>
+            </a:pPr>
+            <a:r>
+              <a:rPr lang="en-US" altLang="en-US" sz="2600" dirty="0"/>
+              <a:t>0.9547/(1-0.9547) = 21.08</a:t>
+            </a:r>
+          </a:p>
+          <a:p>
+            <a:r>
+              <a:rPr lang="en-US" altLang="en-US" sz="2800" dirty="0"/>
+              <a:t>Odds of being employed for a HS grad+:</a:t>
+            </a:r>
+          </a:p>
+          <a:p>
+            <a:pPr marL="502920" lvl="1" indent="0">
+              <a:buNone/>
+            </a:pPr>
+            <a:r>
+              <a:rPr lang="en-US" altLang="en-US" sz="2600" dirty="0"/>
+              <a:t>0.973/(1-.973) = 36.04</a:t>
+            </a:r>
+          </a:p>
+          <a:p>
+            <a:r>
+              <a:rPr lang="en-US" altLang="en-US" sz="2800" dirty="0"/>
+              <a:t>Odds ratio:</a:t>
+            </a:r>
+          </a:p>
+          <a:p>
+            <a:pPr lvl="1"/>
+            <a:r>
+              <a:rPr lang="en-US" altLang="en-US" sz="2600" dirty="0"/>
+              <a:t>36.04/21.08 = 1.71, or </a:t>
+            </a:r>
+          </a:p>
+          <a:p>
+            <a:pPr lvl="1"/>
+            <a:r>
+              <a:rPr lang="en-US" altLang="en-US" sz="2600" dirty="0"/>
+              <a:t>Those with a HS education or more were</a:t>
+            </a:r>
+          </a:p>
+          <a:p>
+            <a:pPr lvl="1"/>
+            <a:r>
+              <a:rPr lang="en-US" altLang="en-US" sz="2600" dirty="0"/>
+              <a:t>1.71 times more likely to be employed that those without a HS </a:t>
+            </a:r>
+            <a:r>
+              <a:rPr lang="en-US" altLang="en-US" sz="2800" dirty="0"/>
+              <a:t>education.</a:t>
+            </a:r>
+          </a:p>
+        </p:txBody>
+      </p:sp>
+    </p:spTree>
+    <p:extLst>
+      <p:ext uri="{BB962C8B-B14F-4D97-AF65-F5344CB8AC3E}">
+        <p14:creationId xmlns:p14="http://schemas.microsoft.com/office/powerpoint/2010/main" val="1455987985"/>
+      </p:ext>
+    </p:extLst>
+  </p:cSld>
+  <p:clrMapOvr>
+    <a:masterClrMapping/>
+  </p:clrMapOvr>
+</p:sld>
+</file>
+
+<file path=ppt/slides/slide2.xml><?xml version="1.0" encoding="utf-8"?>
+<p:sld xmlns:a="http://schemas.openxmlformats.org/drawingml/2006/main" xmlns:r="http://schemas.openxmlformats.org/officeDocument/2006/relationships" xmlns:p="http://schemas.openxmlformats.org/presentationml/2006/main">
+  <p:cSld>
+    <p:spTree>
+      <p:nvGrpSpPr>
+        <p:cNvPr id="1" name=""/>
+        <p:cNvGrpSpPr/>
+        <p:nvPr/>
+      </p:nvGrpSpPr>
+      <p:grpSpPr>
+        <a:xfrm>
+          <a:off x="0" y="0"/>
+          <a:ext cx="0" cy="0"/>
+          <a:chOff x="0" y="0"/>
+          <a:chExt cx="0" cy="0"/>
+        </a:xfrm>
+      </p:grpSpPr>
+      <p:sp>
+        <p:nvSpPr>
+          <p:cNvPr id="2" name="Title 1">
+            <a:extLst>
+              <a:ext uri="{FF2B5EF4-FFF2-40B4-BE49-F238E27FC236}">
+                <a16:creationId xmlns:a16="http://schemas.microsoft.com/office/drawing/2014/main" id="{64D3F863-C1BC-4A23-9EE0-6272720C8336}"/>
+              </a:ext>
+            </a:extLst>
+          </p:cNvPr>
+          <p:cNvSpPr>
+            <a:spLocks noGrp="1"/>
+          </p:cNvSpPr>
+          <p:nvPr>
+            <p:ph type="title"/>
+          </p:nvPr>
+        </p:nvSpPr>
+        <p:spPr/>
+        <p:txBody>
+          <a:bodyPr>
+            <a:normAutofit/>
+          </a:bodyPr>
+          <a:lstStyle/>
+          <a:p>
+            <a:r>
+              <a:rPr lang="en-US" sz="4000" dirty="0"/>
+              <a:t>Association Review</a:t>
+            </a:r>
+          </a:p>
+        </p:txBody>
+      </p:sp>
+      <p:sp>
+        <p:nvSpPr>
+          <p:cNvPr id="3" name="Content Placeholder 2">
+            <a:extLst>
+              <a:ext uri="{FF2B5EF4-FFF2-40B4-BE49-F238E27FC236}">
+                <a16:creationId xmlns:a16="http://schemas.microsoft.com/office/drawing/2014/main" id="{8966BA90-E477-461B-9174-D2704B7A9347}"/>
+              </a:ext>
+            </a:extLst>
+          </p:cNvPr>
+          <p:cNvSpPr>
+            <a:spLocks noGrp="1"/>
+          </p:cNvSpPr>
+          <p:nvPr>
+            <p:ph idx="1"/>
+          </p:nvPr>
+        </p:nvSpPr>
+        <p:spPr>
+          <a:xfrm>
+            <a:off x="3869268" y="864107"/>
+            <a:ext cx="7315200" cy="5165631"/>
+          </a:xfrm>
+        </p:spPr>
+        <p:txBody>
+          <a:bodyPr>
+            <a:normAutofit/>
+          </a:bodyPr>
+          <a:lstStyle/>
+          <a:p>
+            <a:r>
+              <a:rPr lang="en-US" sz="2800" dirty="0"/>
+              <a:t>So far we have basically treated variables in a univariate framework, each variable considered with respect to only itself</a:t>
+            </a:r>
+          </a:p>
+          <a:p>
+            <a:r>
+              <a:rPr lang="en-US" sz="2800" dirty="0"/>
+              <a:t>In the ANOVA model we saw our first </a:t>
+            </a:r>
+            <a:r>
+              <a:rPr lang="en-US" sz="2800" b="1" dirty="0"/>
+              <a:t>bivariate </a:t>
+            </a:r>
+            <a:r>
+              <a:rPr lang="en-US" sz="2800" dirty="0"/>
+              <a:t>association, where we asked whether our dependent variable differed based upon what “group” you belonged to.</a:t>
+            </a:r>
+          </a:p>
+          <a:p>
+            <a:r>
+              <a:rPr lang="en-US" sz="2800" dirty="0"/>
+              <a:t>In fact, the logic of this was also contained in the t-test, Wilcoxon test, Kruskal-Wallis test...</a:t>
+            </a:r>
+          </a:p>
+          <a:p>
+            <a:r>
+              <a:rPr lang="en-US" sz="2800" dirty="0"/>
+              <a:t>We were simply looking for an association between a continuous variable and a categorical variable (group)</a:t>
+            </a:r>
+          </a:p>
+        </p:txBody>
+      </p:sp>
+    </p:spTree>
+    <p:extLst>
+      <p:ext uri="{BB962C8B-B14F-4D97-AF65-F5344CB8AC3E}">
+        <p14:creationId xmlns:p14="http://schemas.microsoft.com/office/powerpoint/2010/main" val="809545768"/>
+      </p:ext>
+    </p:extLst>
+  </p:cSld>
+  <p:clrMapOvr>
+    <a:masterClrMapping/>
+  </p:clrMapOvr>
+</p:sld>
+</file>
+
+<file path=ppt/slides/slide20.xml><?xml version="1.0" encoding="utf-8"?>
+<p:sld xmlns:a="http://schemas.openxmlformats.org/drawingml/2006/main" xmlns:r="http://schemas.openxmlformats.org/officeDocument/2006/relationships" xmlns:p="http://schemas.openxmlformats.org/presentationml/2006/main">
+  <p:cSld>
+    <p:spTree>
+      <p:nvGrpSpPr>
+        <p:cNvPr id="1" name=""/>
+        <p:cNvGrpSpPr/>
+        <p:nvPr/>
+      </p:nvGrpSpPr>
+      <p:grpSpPr>
+        <a:xfrm>
+          <a:off x="0" y="0"/>
+          <a:ext cx="0" cy="0"/>
+          <a:chOff x="0" y="0"/>
+          <a:chExt cx="0" cy="0"/>
+        </a:xfrm>
+      </p:grpSpPr>
+      <p:sp>
+        <p:nvSpPr>
+          <p:cNvPr id="28674" name="Rectangle 2">
+            <a:extLst>
+              <a:ext uri="{FF2B5EF4-FFF2-40B4-BE49-F238E27FC236}">
+                <a16:creationId xmlns:a16="http://schemas.microsoft.com/office/drawing/2014/main" id="{7FD29F72-2FE8-4FA9-823B-14675FC20671}"/>
+              </a:ext>
+            </a:extLst>
+          </p:cNvPr>
+          <p:cNvSpPr>
+            <a:spLocks noGrp="1" noChangeArrowheads="1"/>
+          </p:cNvSpPr>
+          <p:nvPr>
+            <p:ph type="title"/>
+          </p:nvPr>
+        </p:nvSpPr>
+        <p:spPr>
+          <a:xfrm>
+            <a:off x="-31865" y="2857500"/>
+            <a:ext cx="3052156" cy="1143000"/>
+          </a:xfrm>
+        </p:spPr>
+        <p:txBody>
+          <a:bodyPr>
+            <a:noAutofit/>
+          </a:bodyPr>
+          <a:lstStyle/>
+          <a:p>
+            <a:r>
+              <a:rPr lang="en-US" altLang="en-US" sz="4000" dirty="0"/>
+              <a:t>The Odds Ratio: </a:t>
+            </a:r>
+            <a:br>
+              <a:rPr lang="en-US" altLang="en-US" sz="4000" dirty="0"/>
+            </a:br>
+            <a:r>
+              <a:rPr lang="en-US" altLang="en-US" sz="4000" dirty="0"/>
+              <a:t>The 2x2 Case</a:t>
+            </a:r>
+          </a:p>
+        </p:txBody>
+      </p:sp>
+      <p:sp>
+        <p:nvSpPr>
+          <p:cNvPr id="28675" name="Rectangle 3">
+            <a:extLst>
+              <a:ext uri="{FF2B5EF4-FFF2-40B4-BE49-F238E27FC236}">
+                <a16:creationId xmlns:a16="http://schemas.microsoft.com/office/drawing/2014/main" id="{797B5F76-422C-4B9C-BCFA-5F5C3C46A1C9}"/>
+              </a:ext>
+            </a:extLst>
+          </p:cNvPr>
+          <p:cNvSpPr>
+            <a:spLocks noGrp="1" noChangeArrowheads="1"/>
+          </p:cNvSpPr>
+          <p:nvPr>
+            <p:ph type="body" sz="half" idx="1"/>
+          </p:nvPr>
+        </p:nvSpPr>
+        <p:spPr>
+          <a:xfrm>
             <a:off x="3883430" y="1440872"/>
             <a:ext cx="7924800" cy="5020887"/>
           </a:xfrm>
@@ -10060,7 +11566,7 @@
             </a:extLst>
           </p:cNvPr>
           <p:cNvGraphicFramePr>
-            <a:graphicFrameLocks noChangeAspect="1"/>
+            <a:graphicFrameLocks noGrp="1" noChangeAspect="1"/>
           </p:cNvGraphicFramePr>
           <p:nvPr>
             <p:ph sz="half" idx="2"/>
@@ -10074,7 +11580,7 @@
           <a:graphicData uri="http://schemas.openxmlformats.org/presentationml/2006/ole">
             <mc:AlternateContent xmlns:mc="http://schemas.openxmlformats.org/markup-compatibility/2006">
               <mc:Choice xmlns:v="urn:schemas-microsoft-com:vml" Requires="v">
-                <p:oleObj spid="_x0000_s14342" name="Equation" r:id="rId4" imgW="1930400" imgH="431800" progId="Equation.3">
+                <p:oleObj spid="_x0000_s14351" name="Equation" r:id="rId4" imgW="1930400" imgH="431800" progId="Equation.3">
                   <p:embed/>
                 </p:oleObj>
               </mc:Choice>
@@ -10142,128 +11648,7 @@
 </p:sld>
 </file>
 
-<file path=ppt/slides/slide2.xml><?xml version="1.0" encoding="utf-8"?>
-<p:sld xmlns:a="http://schemas.openxmlformats.org/drawingml/2006/main" xmlns:r="http://schemas.openxmlformats.org/officeDocument/2006/relationships" xmlns:p="http://schemas.openxmlformats.org/presentationml/2006/main">
-  <p:cSld>
-    <p:spTree>
-      <p:nvGrpSpPr>
-        <p:cNvPr id="1" name=""/>
-        <p:cNvGrpSpPr/>
-        <p:nvPr/>
-      </p:nvGrpSpPr>
-      <p:grpSpPr>
-        <a:xfrm>
-          <a:off x="0" y="0"/>
-          <a:ext cx="0" cy="0"/>
-          <a:chOff x="0" y="0"/>
-          <a:chExt cx="0" cy="0"/>
-        </a:xfrm>
-      </p:grpSpPr>
-      <p:sp>
-        <p:nvSpPr>
-          <p:cNvPr id="2" name="Title 1">
-            <a:extLst>
-              <a:ext uri="{FF2B5EF4-FFF2-40B4-BE49-F238E27FC236}">
-                <a16:creationId xmlns:a16="http://schemas.microsoft.com/office/drawing/2014/main" id="{64D3F863-C1BC-4A23-9EE0-6272720C8336}"/>
-              </a:ext>
-            </a:extLst>
-          </p:cNvPr>
-          <p:cNvSpPr>
-            <a:spLocks noGrp="1"/>
-          </p:cNvSpPr>
-          <p:nvPr>
-            <p:ph type="title"/>
-          </p:nvPr>
-        </p:nvSpPr>
-        <p:spPr/>
-        <p:txBody>
-          <a:bodyPr>
-            <a:normAutofit/>
-          </a:bodyPr>
-          <a:lstStyle/>
-          <a:p>
-            <a:r>
-              <a:rPr lang="en-US" sz="4000" dirty="0"/>
-              <a:t>Association Review</a:t>
-            </a:r>
-          </a:p>
-        </p:txBody>
-      </p:sp>
-      <p:sp>
-        <p:nvSpPr>
-          <p:cNvPr id="3" name="Content Placeholder 2">
-            <a:extLst>
-              <a:ext uri="{FF2B5EF4-FFF2-40B4-BE49-F238E27FC236}">
-                <a16:creationId xmlns:a16="http://schemas.microsoft.com/office/drawing/2014/main" id="{8966BA90-E477-461B-9174-D2704B7A9347}"/>
-              </a:ext>
-            </a:extLst>
-          </p:cNvPr>
-          <p:cNvSpPr>
-            <a:spLocks noGrp="1"/>
-          </p:cNvSpPr>
-          <p:nvPr>
-            <p:ph idx="1"/>
-          </p:nvPr>
-        </p:nvSpPr>
-        <p:spPr>
-          <a:xfrm>
-            <a:off x="3869268" y="864107"/>
-            <a:ext cx="7315200" cy="5165631"/>
-          </a:xfrm>
-        </p:spPr>
-        <p:txBody>
-          <a:bodyPr>
-            <a:normAutofit/>
-          </a:bodyPr>
-          <a:lstStyle/>
-          <a:p>
-            <a:r>
-              <a:rPr lang="en-US" sz="2800" dirty="0"/>
-              <a:t>So far we have basically treated variables in a univariate framework, each variable considered with respect to only itself</a:t>
-            </a:r>
-          </a:p>
-          <a:p>
-            <a:r>
-              <a:rPr lang="en-US" sz="2800" dirty="0"/>
-              <a:t>In the ANOVA model we saw our first </a:t>
-            </a:r>
-            <a:r>
-              <a:rPr lang="en-US" sz="2800" b="1" dirty="0"/>
-              <a:t>bivariate </a:t>
-            </a:r>
-            <a:r>
-              <a:rPr lang="en-US" sz="2800" dirty="0"/>
-              <a:t>association, where we asked whether our dependent variable differed based upon what “group” you belonged to.</a:t>
-            </a:r>
-          </a:p>
-          <a:p>
-            <a:r>
-              <a:rPr lang="en-US" sz="2800" dirty="0"/>
-              <a:t>In fact, the logic of this was also contained in the t-test, Wilcoxon test, Kruskal-Wallis test...</a:t>
-            </a:r>
-          </a:p>
-          <a:p>
-            <a:r>
-              <a:rPr lang="en-US" sz="2800" dirty="0"/>
-              <a:t>We were simply looking for an association between a continuous variable and a categorical variable (group)</a:t>
-            </a:r>
-          </a:p>
-        </p:txBody>
-      </p:sp>
-    </p:spTree>
-    <p:extLst>
-      <p:ext uri="{BB962C8B-B14F-4D97-AF65-F5344CB8AC3E}">
-        <p14:creationId xmlns:p14="http://schemas.microsoft.com/office/powerpoint/2010/main" val="809545768"/>
-      </p:ext>
-    </p:extLst>
-  </p:cSld>
-  <p:clrMapOvr>
-    <a:masterClrMapping/>
-  </p:clrMapOvr>
-</p:sld>
-</file>
-
-<file path=ppt/slides/slide20.xml><?xml version="1.0" encoding="utf-8"?>
+<file path=ppt/slides/slide21.xml><?xml version="1.0" encoding="utf-8"?>
 <p:sld xmlns:a="http://schemas.openxmlformats.org/drawingml/2006/main" xmlns:r="http://schemas.openxmlformats.org/officeDocument/2006/relationships" xmlns:p="http://schemas.openxmlformats.org/presentationml/2006/main">
   <p:cSld>
     <p:spTree>
@@ -11239,7 +12624,7 @@
             </a:extLst>
           </p:cNvPr>
           <p:cNvGraphicFramePr>
-            <a:graphicFrameLocks noChangeAspect="1"/>
+            <a:graphicFrameLocks noGrp="1" noChangeAspect="1"/>
           </p:cNvGraphicFramePr>
           <p:nvPr>
             <p:ph sz="quarter" idx="3"/>
@@ -11258,7 +12643,7 @@
           <a:graphicData uri="http://schemas.openxmlformats.org/presentationml/2006/ole">
             <mc:AlternateContent xmlns:mc="http://schemas.openxmlformats.org/markup-compatibility/2006">
               <mc:Choice xmlns:v="urn:schemas-microsoft-com:vml" Requires="v">
-                <p:oleObj spid="_x0000_s13322" name="Equation" r:id="rId4" imgW="2463800" imgH="431800" progId="Equation.3">
+                <p:oleObj spid="_x0000_s13331" name="Equation" r:id="rId4" imgW="2463800" imgH="431800" progId="Equation.3">
                   <p:embed/>
                 </p:oleObj>
               </mc:Choice>
@@ -11575,7 +12960,7 @@
             </a:extLst>
           </p:cNvPr>
           <p:cNvGraphicFramePr>
-            <a:graphicFrameLocks noChangeAspect="1"/>
+            <a:graphicFrameLocks noGrp="1" noChangeAspect="1"/>
           </p:cNvGraphicFramePr>
           <p:nvPr>
             <p:ph sz="half" idx="2"/>
@@ -11594,7 +12979,7 @@
           <a:graphicData uri="http://schemas.openxmlformats.org/presentationml/2006/ole">
             <mc:AlternateContent xmlns:mc="http://schemas.openxmlformats.org/markup-compatibility/2006">
               <mc:Choice xmlns:v="urn:schemas-microsoft-com:vml" Requires="v">
-                <p:oleObj spid="_x0000_s1063" name="Document" r:id="rId4" imgW="4096513" imgH="2198458" progId="Word.Document.8">
+                <p:oleObj spid="_x0000_s1072" name="Document" r:id="rId4" imgW="4096513" imgH="2198458" progId="Word.Document.8">
                   <p:embed/>
                 </p:oleObj>
               </mc:Choice>
@@ -12164,7 +13549,7 @@
             </a:extLst>
           </p:cNvPr>
           <p:cNvGraphicFramePr>
-            <a:graphicFrameLocks noChangeAspect="1"/>
+            <a:graphicFrameLocks noGrp="1" noChangeAspect="1"/>
           </p:cNvGraphicFramePr>
           <p:nvPr>
             <p:ph sz="half" idx="2"/>
@@ -12183,7 +13568,7 @@
           <a:graphicData uri="http://schemas.openxmlformats.org/presentationml/2006/ole">
             <mc:AlternateContent xmlns:mc="http://schemas.openxmlformats.org/markup-compatibility/2006">
               <mc:Choice xmlns:v="urn:schemas-microsoft-com:vml" Requires="v">
-                <p:oleObj spid="_x0000_s2087" name="Document" r:id="rId4" imgW="4947942" imgH="2179363" progId="Word.Document.8">
+                <p:oleObj spid="_x0000_s2096" name="Document" r:id="rId4" imgW="4947942" imgH="2179363" progId="Word.Document.8">
                   <p:embed/>
                 </p:oleObj>
               </mc:Choice>
@@ -12701,7 +14086,7 @@
             </a:extLst>
           </p:cNvPr>
           <p:cNvGraphicFramePr>
-            <a:graphicFrameLocks noChangeAspect="1"/>
+            <a:graphicFrameLocks noGrp="1" noChangeAspect="1"/>
           </p:cNvGraphicFramePr>
           <p:nvPr>
             <p:ph sz="half" idx="2"/>
@@ -12720,7 +14105,7 @@
           <a:graphicData uri="http://schemas.openxmlformats.org/presentationml/2006/ole">
             <mc:AlternateContent xmlns:mc="http://schemas.openxmlformats.org/markup-compatibility/2006">
               <mc:Choice xmlns:v="urn:schemas-microsoft-com:vml" Requires="v">
-                <p:oleObj spid="_x0000_s4131" name="Document" r:id="rId4" imgW="3955688" imgH="2177922" progId="Word.Document.8">
+                <p:oleObj spid="_x0000_s4140" name="Document" r:id="rId4" imgW="3955688" imgH="2177922" progId="Word.Document.8">
                   <p:embed/>
                 </p:oleObj>
               </mc:Choice>
@@ -14073,7 +15458,7 @@
             </a:extLst>
           </p:cNvPr>
           <p:cNvGraphicFramePr>
-            <a:graphicFrameLocks noChangeAspect="1"/>
+            <a:graphicFrameLocks noGrp="1" noChangeAspect="1"/>
           </p:cNvGraphicFramePr>
           <p:nvPr>
             <p:ph sz="half" idx="2"/>
@@ -14092,7 +15477,7 @@
           <a:graphicData uri="http://schemas.openxmlformats.org/presentationml/2006/ole">
             <mc:AlternateContent xmlns:mc="http://schemas.openxmlformats.org/markup-compatibility/2006">
               <mc:Choice xmlns:v="urn:schemas-microsoft-com:vml" Requires="v">
-                <p:oleObj spid="_x0000_s9236" name="Equation" r:id="rId3" imgW="1143000" imgH="469900" progId="Equation.3">
+                <p:oleObj spid="_x0000_s9245" name="Equation" r:id="rId3" imgW="1143000" imgH="469900" progId="Equation.3">
                   <p:embed/>
                 </p:oleObj>
               </mc:Choice>
